--- a/dsm2/presentations/a2_installation.pptx
+++ b/dsm2/presentations/a2_installation.pptx
@@ -5,25 +5,26 @@
     <p:sldMasterId id="2147483648" r:id="rId1"/>
   </p:sldMasterIdLst>
   <p:notesMasterIdLst>
-    <p:notesMasterId r:id="rId18"/>
+    <p:notesMasterId r:id="rId19"/>
   </p:notesMasterIdLst>
   <p:sldIdLst>
     <p:sldId id="256" r:id="rId2"/>
     <p:sldId id="263" r:id="rId3"/>
-    <p:sldId id="257" r:id="rId4"/>
-    <p:sldId id="280" r:id="rId5"/>
-    <p:sldId id="261" r:id="rId6"/>
-    <p:sldId id="259" r:id="rId7"/>
-    <p:sldId id="267" r:id="rId8"/>
-    <p:sldId id="268" r:id="rId9"/>
-    <p:sldId id="270" r:id="rId10"/>
-    <p:sldId id="278" r:id="rId11"/>
-    <p:sldId id="275" r:id="rId12"/>
-    <p:sldId id="273" r:id="rId13"/>
-    <p:sldId id="272" r:id="rId14"/>
-    <p:sldId id="276" r:id="rId15"/>
-    <p:sldId id="282" r:id="rId16"/>
-    <p:sldId id="283" r:id="rId17"/>
+    <p:sldId id="280" r:id="rId4"/>
+    <p:sldId id="284" r:id="rId5"/>
+    <p:sldId id="257" r:id="rId6"/>
+    <p:sldId id="261" r:id="rId7"/>
+    <p:sldId id="259" r:id="rId8"/>
+    <p:sldId id="267" r:id="rId9"/>
+    <p:sldId id="268" r:id="rId10"/>
+    <p:sldId id="270" r:id="rId11"/>
+    <p:sldId id="278" r:id="rId12"/>
+    <p:sldId id="275" r:id="rId13"/>
+    <p:sldId id="273" r:id="rId14"/>
+    <p:sldId id="272" r:id="rId15"/>
+    <p:sldId id="276" r:id="rId16"/>
+    <p:sldId id="282" r:id="rId17"/>
+    <p:sldId id="283" r:id="rId18"/>
   </p:sldIdLst>
   <p:sldSz cx="9144000" cy="6858000" type="screen4x3"/>
   <p:notesSz cx="6858000" cy="9144000"/>
@@ -208,7 +209,7 @@
             <a:fld id="{542500BC-1B18-4842-B814-979EB9601F1E}" type="datetimeFigureOut">
               <a:rPr lang="en-US" smtClean="0"/>
               <a:pPr/>
-              <a:t>9/9/2009</a:t>
+              <a:t>9/19/2009</a:t>
             </a:fld>
             <a:endParaRPr lang="en-US"/>
           </a:p>
@@ -520,7 +521,7 @@
           </a:bodyPr>
           <a:lstStyle/>
           <a:p>
-            <a:endParaRPr lang="en-US"/>
+            <a:endParaRPr lang="en-US" dirty="0"/>
           </a:p>
         </p:txBody>
       </p:sp>
@@ -604,15 +605,15 @@
           <a:p>
             <a:r>
               <a:rPr lang="en-US" dirty="0" smtClean="0"/>
-              <a:t>Instructions for syntax highlighting configurations</a:t>
+              <a:t>Jamie</a:t>
             </a:r>
             <a:r>
               <a:rPr lang="en-US" baseline="0" dirty="0" smtClean="0"/>
-              <a:t> are in </a:t>
-            </a:r>
-            <a:r>
-              <a:rPr lang="en-US" dirty="0" smtClean="0"/>
-              <a:t>Readme.txt in the installed folder \dsm2_v8\extras\notepad++</a:t>
+              <a:t> mentioned that this “Open Command Window Here” is a built-in feature in the newer Windows version Vista. You need to press the Shift key and then right click the folder to see this feature. You can also change the registry to make it appear by default without pressing the </a:t>
+            </a:r>
+            <a:r>
+              <a:rPr lang="en-US" baseline="0" smtClean="0"/>
+              <a:t>Shift key.</a:t>
             </a:r>
             <a:endParaRPr lang="en-US" dirty="0"/>
           </a:p>
@@ -696,7 +697,19 @@
           </a:bodyPr>
           <a:lstStyle/>
           <a:p>
-            <a:endParaRPr lang="en-US"/>
+            <a:r>
+              <a:rPr lang="en-US" dirty="0" smtClean="0"/>
+              <a:t>Instructions for syntax highlighting configurations</a:t>
+            </a:r>
+            <a:r>
+              <a:rPr lang="en-US" baseline="0" dirty="0" smtClean="0"/>
+              <a:t> are in </a:t>
+            </a:r>
+            <a:r>
+              <a:rPr lang="en-US" dirty="0" smtClean="0"/>
+              <a:t>Readme.txt in the installed folder \dsm2_v8\extras\notepad++</a:t>
+            </a:r>
+            <a:endParaRPr lang="en-US" dirty="0"/>
           </a:p>
         </p:txBody>
       </p:sp>
@@ -778,20 +791,7 @@
           </a:bodyPr>
           <a:lstStyle/>
           <a:p>
-            <a:r>
-              <a:rPr lang="en-US" sz="1200" kern="1200" dirty="0" smtClean="0">
-                <a:solidFill>
-                  <a:schemeClr val="tx1"/>
-                </a:solidFill>
-                <a:latin typeface="+mn-lt"/>
-                <a:ea typeface="+mn-ea"/>
-                <a:cs typeface="+mn-cs"/>
-              </a:rPr>
-              <a:t>Eli will cover this in detail.</a:t>
-            </a:r>
-          </a:p>
-          <a:p>
-            <a:endParaRPr lang="en-US" dirty="0"/>
+            <a:endParaRPr lang="en-US"/>
           </a:p>
         </p:txBody>
       </p:sp>
@@ -886,67 +886,6 @@
             </a:r>
           </a:p>
           <a:p>
-            <a:endParaRPr lang="en-US" sz="1200" kern="1200" dirty="0" smtClean="0">
-              <a:solidFill>
-                <a:schemeClr val="tx1"/>
-              </a:solidFill>
-              <a:latin typeface="+mn-lt"/>
-              <a:ea typeface="+mn-ea"/>
-              <a:cs typeface="+mn-cs"/>
-            </a:endParaRPr>
-          </a:p>
-          <a:p>
-            <a:pPr lvl="1"/>
-            <a:r>
-              <a:rPr lang="en-US" sz="2400" dirty="0" smtClean="0"/>
-              <a:t>Hydro.exe and Qual.exe overwritten</a:t>
-            </a:r>
-          </a:p>
-          <a:p>
-            <a:pPr lvl="1"/>
-            <a:r>
-              <a:rPr lang="en-US" sz="2400" dirty="0" smtClean="0"/>
-              <a:t>/</a:t>
-            </a:r>
-            <a:r>
-              <a:rPr lang="en-US" sz="2400" dirty="0" err="1" smtClean="0"/>
-              <a:t>common_input</a:t>
-            </a:r>
-            <a:r>
-              <a:rPr lang="en-US" sz="2400" dirty="0" smtClean="0"/>
-              <a:t> augmented, nothing will be changed</a:t>
-            </a:r>
-          </a:p>
-          <a:p>
-            <a:pPr lvl="1"/>
-            <a:r>
-              <a:rPr lang="en-US" sz="2400" dirty="0" smtClean="0"/>
-              <a:t>/scripts replaced</a:t>
-            </a:r>
-          </a:p>
-          <a:p>
-            <a:pPr lvl="1"/>
-            <a:r>
-              <a:rPr lang="en-US" sz="2400" dirty="0" smtClean="0"/>
-              <a:t>/</a:t>
-            </a:r>
-            <a:r>
-              <a:rPr lang="en-US" sz="2400" dirty="0" err="1" smtClean="0"/>
-              <a:t>study_templates</a:t>
-            </a:r>
-            <a:r>
-              <a:rPr lang="en-US" sz="2400" dirty="0" smtClean="0"/>
-              <a:t> replaced</a:t>
-            </a:r>
-          </a:p>
-          <a:p>
-            <a:pPr lvl="1"/>
-            <a:r>
-              <a:rPr lang="en-US" sz="2400" dirty="0" smtClean="0"/>
-              <a:t>/study unchanged</a:t>
-            </a:r>
-          </a:p>
-          <a:p>
             <a:endParaRPr lang="en-US" dirty="0"/>
           </a:p>
         </p:txBody>
@@ -1038,30 +977,71 @@
                 <a:ea typeface="+mn-ea"/>
                 <a:cs typeface="+mn-cs"/>
               </a:rPr>
-              <a:t>New input files are added</a:t>
-            </a:r>
-            <a:r>
-              <a:rPr lang="en-US" sz="1200" kern="1200" baseline="0" dirty="0" smtClean="0">
-                <a:solidFill>
-                  <a:schemeClr val="tx1"/>
-                </a:solidFill>
-                <a:latin typeface="+mn-lt"/>
-                <a:ea typeface="+mn-ea"/>
-                <a:cs typeface="+mn-cs"/>
-              </a:rPr>
-              <a:t> but old files are not changed. </a:t>
-            </a:r>
-            <a:r>
-              <a:rPr lang="en-US" sz="1200" kern="1200" dirty="0" smtClean="0">
-                <a:solidFill>
-                  <a:schemeClr val="tx1"/>
-                </a:solidFill>
-                <a:latin typeface="+mn-lt"/>
-                <a:ea typeface="+mn-ea"/>
-                <a:cs typeface="+mn-cs"/>
-              </a:rPr>
-              <a:t>Eli is going to talk about archiving and multiple installation strategies later and this version stuff is going to come up again</a:t>
-            </a:r>
+              <a:t>Eli will cover this in detail.</a:t>
+            </a:r>
+          </a:p>
+          <a:p>
+            <a:endParaRPr lang="en-US" sz="1200" kern="1200" dirty="0" smtClean="0">
+              <a:solidFill>
+                <a:schemeClr val="tx1"/>
+              </a:solidFill>
+              <a:latin typeface="+mn-lt"/>
+              <a:ea typeface="+mn-ea"/>
+              <a:cs typeface="+mn-cs"/>
+            </a:endParaRPr>
+          </a:p>
+          <a:p>
+            <a:pPr lvl="1"/>
+            <a:r>
+              <a:rPr lang="en-US" sz="2400" dirty="0" smtClean="0"/>
+              <a:t>Hydro.exe and Qual.exe overwritten</a:t>
+            </a:r>
+          </a:p>
+          <a:p>
+            <a:pPr lvl="1"/>
+            <a:r>
+              <a:rPr lang="en-US" sz="2400" dirty="0" smtClean="0"/>
+              <a:t>/</a:t>
+            </a:r>
+            <a:r>
+              <a:rPr lang="en-US" sz="2400" dirty="0" err="1" smtClean="0"/>
+              <a:t>common_input</a:t>
+            </a:r>
+            <a:r>
+              <a:rPr lang="en-US" sz="2400" dirty="0" smtClean="0"/>
+              <a:t> augmented, nothing will be changed</a:t>
+            </a:r>
+          </a:p>
+          <a:p>
+            <a:pPr lvl="1"/>
+            <a:r>
+              <a:rPr lang="en-US" sz="2400" dirty="0" smtClean="0"/>
+              <a:t>/scripts replaced</a:t>
+            </a:r>
+          </a:p>
+          <a:p>
+            <a:pPr lvl="1"/>
+            <a:r>
+              <a:rPr lang="en-US" sz="2400" dirty="0" smtClean="0"/>
+              <a:t>/</a:t>
+            </a:r>
+            <a:r>
+              <a:rPr lang="en-US" sz="2400" dirty="0" err="1" smtClean="0"/>
+              <a:t>study_templates</a:t>
+            </a:r>
+            <a:r>
+              <a:rPr lang="en-US" sz="2400" dirty="0" smtClean="0"/>
+              <a:t> replaced</a:t>
+            </a:r>
+          </a:p>
+          <a:p>
+            <a:pPr lvl="1"/>
+            <a:r>
+              <a:rPr lang="en-US" sz="2400" dirty="0" smtClean="0"/>
+              <a:t>/study unchanged</a:t>
+            </a:r>
+          </a:p>
+          <a:p>
             <a:endParaRPr lang="en-US" dirty="0"/>
           </a:p>
         </p:txBody>
@@ -1144,6 +1124,39 @@
           </a:bodyPr>
           <a:lstStyle/>
           <a:p>
+            <a:r>
+              <a:rPr lang="en-US" sz="1200" kern="1200" dirty="0" smtClean="0">
+                <a:solidFill>
+                  <a:schemeClr val="tx1"/>
+                </a:solidFill>
+                <a:latin typeface="+mn-lt"/>
+                <a:ea typeface="+mn-ea"/>
+                <a:cs typeface="+mn-cs"/>
+              </a:rPr>
+              <a:t>New input files are added</a:t>
+            </a:r>
+            <a:r>
+              <a:rPr lang="en-US" sz="1200" kern="1200" baseline="0" dirty="0" smtClean="0">
+                <a:solidFill>
+                  <a:schemeClr val="tx1"/>
+                </a:solidFill>
+                <a:latin typeface="+mn-lt"/>
+                <a:ea typeface="+mn-ea"/>
+                <a:cs typeface="+mn-cs"/>
+              </a:rPr>
+              <a:t> but old files are not changed. </a:t>
+            </a:r>
+            <a:r>
+              <a:rPr lang="en-US" sz="1200" kern="1200" dirty="0" smtClean="0">
+                <a:solidFill>
+                  <a:schemeClr val="tx1"/>
+                </a:solidFill>
+                <a:latin typeface="+mn-lt"/>
+                <a:ea typeface="+mn-ea"/>
+                <a:cs typeface="+mn-cs"/>
+              </a:rPr>
+              <a:t>Eli is going to talk about archiving and multiple installation strategies later and this version stuff is going to come up again</a:t>
+            </a:r>
             <a:endParaRPr lang="en-US" dirty="0"/>
           </a:p>
         </p:txBody>
@@ -1226,7 +1239,7 @@
           </a:bodyPr>
           <a:lstStyle/>
           <a:p>
-            <a:endParaRPr lang="en-US"/>
+            <a:endParaRPr lang="en-US" dirty="0"/>
           </a:p>
         </p:txBody>
       </p:sp>
@@ -1249,6 +1262,88 @@
               <a:rPr lang="en-US" smtClean="0"/>
               <a:pPr/>
               <a:t>16</a:t>
+            </a:fld>
+            <a:endParaRPr lang="en-US"/>
+          </a:p>
+        </p:txBody>
+      </p:sp>
+    </p:spTree>
+  </p:cSld>
+  <p:clrMapOvr>
+    <a:masterClrMapping/>
+  </p:clrMapOvr>
+</p:notes>
+</file>
+
+<file path=ppt/notesSlides/notesSlide17.xml><?xml version="1.0" encoding="utf-8"?>
+<p:notes xmlns:a="http://schemas.openxmlformats.org/drawingml/2006/main" xmlns:r="http://schemas.openxmlformats.org/officeDocument/2006/relationships" xmlns:p="http://schemas.openxmlformats.org/presentationml/2006/main">
+  <p:cSld>
+    <p:spTree>
+      <p:nvGrpSpPr>
+        <p:cNvPr id="1" name=""/>
+        <p:cNvGrpSpPr/>
+        <p:nvPr/>
+      </p:nvGrpSpPr>
+      <p:grpSpPr>
+        <a:xfrm>
+          <a:off x="0" y="0"/>
+          <a:ext cx="0" cy="0"/>
+          <a:chOff x="0" y="0"/>
+          <a:chExt cx="0" cy="0"/>
+        </a:xfrm>
+      </p:grpSpPr>
+      <p:sp>
+        <p:nvSpPr>
+          <p:cNvPr id="2" name="Slide Image Placeholder 1"/>
+          <p:cNvSpPr>
+            <a:spLocks noGrp="1" noRot="1" noChangeAspect="1"/>
+          </p:cNvSpPr>
+          <p:nvPr>
+            <p:ph type="sldImg"/>
+          </p:nvPr>
+        </p:nvSpPr>
+        <p:spPr/>
+      </p:sp>
+      <p:sp>
+        <p:nvSpPr>
+          <p:cNvPr id="3" name="Notes Placeholder 2"/>
+          <p:cNvSpPr>
+            <a:spLocks noGrp="1"/>
+          </p:cNvSpPr>
+          <p:nvPr>
+            <p:ph type="body" idx="1"/>
+          </p:nvPr>
+        </p:nvSpPr>
+        <p:spPr/>
+        <p:txBody>
+          <a:bodyPr>
+            <a:normAutofit/>
+          </a:bodyPr>
+          <a:lstStyle/>
+          <a:p>
+            <a:endParaRPr lang="en-US"/>
+          </a:p>
+        </p:txBody>
+      </p:sp>
+      <p:sp>
+        <p:nvSpPr>
+          <p:cNvPr id="4" name="Slide Number Placeholder 3"/>
+          <p:cNvSpPr>
+            <a:spLocks noGrp="1"/>
+          </p:cNvSpPr>
+          <p:nvPr>
+            <p:ph type="sldNum" sz="quarter" idx="10"/>
+          </p:nvPr>
+        </p:nvSpPr>
+        <p:spPr/>
+        <p:txBody>
+          <a:bodyPr/>
+          <a:lstStyle/>
+          <a:p>
+            <a:fld id="{2711E83A-B2A6-4A88-A3A1-5D9650D03813}" type="slidenum">
+              <a:rPr lang="en-US" smtClean="0"/>
+              <a:pPr/>
+              <a:t>17</a:t>
             </a:fld>
             <a:endParaRPr lang="en-US"/>
           </a:p>
@@ -1308,7 +1403,19 @@
           </a:bodyPr>
           <a:lstStyle/>
           <a:p>
-            <a:endParaRPr lang="en-US"/>
+            <a:r>
+              <a:rPr lang="en-US" baseline="0" dirty="0" smtClean="0"/>
+              <a:t>The information I am going to talk about for the next 10 </a:t>
+            </a:r>
+            <a:r>
+              <a:rPr lang="en-US" baseline="0" dirty="0" err="1" smtClean="0"/>
+              <a:t>mins</a:t>
+            </a:r>
+            <a:r>
+              <a:rPr lang="en-US" baseline="0" dirty="0" smtClean="0"/>
+              <a:t> can be found on the DSM2 website. And if you can remember the link, then just Google DSM2. There is another good search engine called BING, that’s developed by Microsoft, that one should work too.  I heard that the BING search engine is an acronym for “But, it’s not Google”</a:t>
+            </a:r>
+            <a:endParaRPr lang="en-US" dirty="0"/>
           </a:p>
         </p:txBody>
       </p:sp>
@@ -1392,53 +1499,11 @@
           <a:p>
             <a:r>
               <a:rPr lang="en-US" dirty="0" smtClean="0"/>
-              <a:t>The directory structure</a:t>
+              <a:t>In additional to the DSM2 website, another source</a:t>
             </a:r>
             <a:r>
               <a:rPr lang="en-US" baseline="0" dirty="0" smtClean="0"/>
-              <a:t> reflects how we would like to manage the distribution and data</a:t>
-            </a:r>
-            <a:endParaRPr lang="en-US" dirty="0" smtClean="0"/>
-          </a:p>
-          <a:p>
-            <a:r>
-              <a:rPr lang="en-US" dirty="0" smtClean="0"/>
-              <a:t>Read-only : </a:t>
-            </a:r>
-            <a:r>
-              <a:rPr lang="en-US" dirty="0" err="1" smtClean="0"/>
-              <a:t>common_input</a:t>
-            </a:r>
-            <a:r>
-              <a:rPr lang="en-US" dirty="0" smtClean="0"/>
-              <a:t>,</a:t>
-            </a:r>
-            <a:r>
-              <a:rPr lang="en-US" baseline="0" dirty="0" smtClean="0"/>
-              <a:t> </a:t>
-            </a:r>
-            <a:r>
-              <a:rPr lang="en-US" baseline="0" dirty="0" err="1" smtClean="0"/>
-              <a:t>study_templates</a:t>
-            </a:r>
-            <a:endParaRPr lang="en-US" baseline="0" dirty="0" smtClean="0"/>
-          </a:p>
-          <a:p>
-            <a:r>
-              <a:rPr lang="en-US" baseline="0" dirty="0" smtClean="0"/>
-              <a:t>User area:  studies</a:t>
-            </a:r>
-          </a:p>
-          <a:p>
-            <a:r>
-              <a:rPr lang="en-US" baseline="0" dirty="0" smtClean="0"/>
-              <a:t>Documentation – you can go directly to shortcut or you launch from the start menu</a:t>
-            </a:r>
-          </a:p>
-          <a:p>
-            <a:r>
-              <a:rPr lang="en-US" baseline="0" dirty="0" smtClean="0"/>
-              <a:t>Grid map – is also in the documentation folder</a:t>
+              <a:t> for the information is the documentation file after you installed DSM2, it can be launched from the start menu.</a:t>
             </a:r>
             <a:endParaRPr lang="en-US" dirty="0"/>
           </a:p>
@@ -1522,7 +1587,17 @@
           </a:bodyPr>
           <a:lstStyle/>
           <a:p>
-            <a:endParaRPr lang="en-US"/>
+            <a:r>
+              <a:rPr lang="en-US" dirty="0" smtClean="0"/>
+              <a:t>The DSM2 grid for the Delta</a:t>
+            </a:r>
+            <a:r>
+              <a:rPr lang="en-US" baseline="0" dirty="0" smtClean="0"/>
+              <a:t> in PDF format is also included in the installation,  and the shortcut is also in the start menu.</a:t>
+            </a:r>
+          </a:p>
+          <a:p>
+            <a:endParaRPr lang="en-US" baseline="0" dirty="0" smtClean="0"/>
           </a:p>
         </p:txBody>
       </p:sp>
@@ -1605,17 +1680,194 @@
           <a:lstStyle/>
           <a:p>
             <a:r>
-              <a:rPr lang="en-US" sz="1200" kern="1200" dirty="0" smtClean="0">
-                <a:solidFill>
-                  <a:schemeClr val="tx1"/>
-                </a:solidFill>
-                <a:latin typeface="+mn-lt"/>
-                <a:ea typeface="+mn-ea"/>
-                <a:cs typeface="+mn-cs"/>
-              </a:rPr>
-              <a:t>Eli is going to talk about archiving and multiple installation strategies later and this version stuff is going to come up again</a:t>
-            </a:r>
-            <a:endParaRPr lang="en-US" dirty="0"/>
+              <a:rPr lang="en-US" dirty="0" smtClean="0"/>
+              <a:t>The installation of DSM2 should be pretty straight-forward. You</a:t>
+            </a:r>
+            <a:r>
+              <a:rPr lang="en-US" baseline="0" dirty="0" smtClean="0"/>
+              <a:t> just need to agree on the general public license and select the installation folder. </a:t>
+            </a:r>
+          </a:p>
+          <a:p>
+            <a:endParaRPr lang="en-US" dirty="0" smtClean="0"/>
+          </a:p>
+          <a:p>
+            <a:r>
+              <a:rPr lang="en-US" dirty="0" smtClean="0"/>
+              <a:t>The </a:t>
+            </a:r>
+            <a:r>
+              <a:rPr lang="en-US" dirty="0" smtClean="0"/>
+              <a:t>directory structure</a:t>
+            </a:r>
+            <a:r>
+              <a:rPr lang="en-US" baseline="0" dirty="0" smtClean="0"/>
+              <a:t> reflects how we would like to manage the distribution and </a:t>
+            </a:r>
+            <a:r>
+              <a:rPr lang="en-US" baseline="0" dirty="0" smtClean="0"/>
+              <a:t>data files</a:t>
+            </a:r>
+          </a:p>
+          <a:p>
+            <a:endParaRPr lang="en-US" dirty="0" smtClean="0"/>
+          </a:p>
+          <a:p>
+            <a:r>
+              <a:rPr lang="en-US" dirty="0" smtClean="0"/>
+              <a:t>The bin</a:t>
+            </a:r>
+            <a:r>
+              <a:rPr lang="en-US" baseline="0" dirty="0" smtClean="0"/>
+              <a:t> directory stores the executables and useful batch files. Eli will talk about these batch files later.</a:t>
+            </a:r>
+            <a:endParaRPr lang="en-US" dirty="0" smtClean="0"/>
+          </a:p>
+          <a:p>
+            <a:endParaRPr lang="en-US" dirty="0" smtClean="0"/>
+          </a:p>
+          <a:p>
+            <a:r>
+              <a:rPr lang="en-US" dirty="0" smtClean="0"/>
+              <a:t>The </a:t>
+            </a:r>
+            <a:r>
+              <a:rPr lang="en-US" dirty="0" err="1" smtClean="0"/>
+              <a:t>common_input</a:t>
+            </a:r>
+            <a:r>
+              <a:rPr lang="en-US" dirty="0" smtClean="0"/>
+              <a:t> directory stores</a:t>
+            </a:r>
+            <a:r>
+              <a:rPr lang="en-US" baseline="0" dirty="0" smtClean="0"/>
+              <a:t> the commonly used input files, this folder attribute is set to be read-only.</a:t>
+            </a:r>
+            <a:endParaRPr lang="en-US" dirty="0" smtClean="0"/>
+          </a:p>
+          <a:p>
+            <a:endParaRPr lang="en-US" baseline="0" dirty="0" smtClean="0"/>
+          </a:p>
+          <a:p>
+            <a:r>
+              <a:rPr lang="en-US" baseline="0" dirty="0" smtClean="0"/>
+              <a:t>The documentation folder, it has the documentation in html format, and also the DSM2 grid for the Delta is also here.</a:t>
+            </a:r>
+          </a:p>
+          <a:p>
+            <a:endParaRPr lang="en-US" baseline="0" dirty="0" smtClean="0"/>
+          </a:p>
+          <a:p>
+            <a:r>
+              <a:rPr lang="en-US" baseline="0" dirty="0" smtClean="0"/>
+              <a:t>The extras folder, have some useful files for 3</a:t>
+            </a:r>
+            <a:r>
+              <a:rPr lang="en-US" baseline="30000" dirty="0" smtClean="0"/>
+              <a:t>rd</a:t>
+            </a:r>
+            <a:r>
+              <a:rPr lang="en-US" baseline="0" dirty="0" smtClean="0"/>
+              <a:t> party software. Currently we have the syntax highlighting configuration for notepad++.</a:t>
+            </a:r>
+          </a:p>
+          <a:p>
+            <a:endParaRPr lang="en-US" baseline="0" dirty="0" smtClean="0"/>
+          </a:p>
+          <a:p>
+            <a:r>
+              <a:rPr lang="en-US" baseline="0" dirty="0" smtClean="0"/>
+              <a:t>The scripts folder has some useful scripts, for example, preprocessing CALSIM files, and etc. Eli will explain this in more details. </a:t>
+            </a:r>
+          </a:p>
+          <a:p>
+            <a:pPr marL="0" marR="0" indent="0" algn="l" defTabSz="914400" rtl="0" eaLnBrk="1" fontAlgn="auto" latinLnBrk="0" hangingPunct="1">
+              <a:lnSpc>
+                <a:spcPct val="100000"/>
+              </a:lnSpc>
+              <a:spcBef>
+                <a:spcPts val="0"/>
+              </a:spcBef>
+              <a:spcAft>
+                <a:spcPts val="0"/>
+              </a:spcAft>
+              <a:buClrTx/>
+              <a:buSzTx/>
+              <a:buFontTx/>
+              <a:buNone/>
+              <a:tabLst/>
+              <a:defRPr/>
+            </a:pPr>
+            <a:endParaRPr lang="en-US" baseline="0" dirty="0" smtClean="0"/>
+          </a:p>
+          <a:p>
+            <a:pPr marL="0" marR="0" indent="0" algn="l" defTabSz="914400" rtl="0" eaLnBrk="1" fontAlgn="auto" latinLnBrk="0" hangingPunct="1">
+              <a:lnSpc>
+                <a:spcPct val="100000"/>
+              </a:lnSpc>
+              <a:spcBef>
+                <a:spcPts val="0"/>
+              </a:spcBef>
+              <a:spcAft>
+                <a:spcPts val="0"/>
+              </a:spcAft>
+              <a:buClrTx/>
+              <a:buSzTx/>
+              <a:buFontTx/>
+              <a:buNone/>
+              <a:tabLst/>
+              <a:defRPr/>
+            </a:pPr>
+            <a:r>
+              <a:rPr lang="en-US" baseline="0" dirty="0" smtClean="0"/>
+              <a:t>The studies folder is the user area, you can build and run your own simulation here, and this folder will not be over-written if you upgrade to newer version of DSM2.</a:t>
+            </a:r>
+          </a:p>
+          <a:p>
+            <a:endParaRPr lang="en-US" baseline="0" dirty="0" smtClean="0"/>
+          </a:p>
+          <a:p>
+            <a:endParaRPr lang="en-US" baseline="0" dirty="0" smtClean="0"/>
+          </a:p>
+          <a:p>
+            <a:r>
+              <a:rPr lang="en-US" baseline="0" dirty="0" smtClean="0"/>
+              <a:t>The </a:t>
+            </a:r>
+            <a:r>
+              <a:rPr lang="en-US" baseline="0" dirty="0" err="1" smtClean="0"/>
+              <a:t>study_templates</a:t>
+            </a:r>
+            <a:r>
+              <a:rPr lang="en-US" baseline="0" dirty="0" smtClean="0"/>
+              <a:t> has some example studies, currently we have a historical run and two planning runs.</a:t>
+            </a:r>
+          </a:p>
+          <a:p>
+            <a:endParaRPr lang="en-US" baseline="0" dirty="0" smtClean="0"/>
+          </a:p>
+          <a:p>
+            <a:r>
+              <a:rPr lang="en-US" baseline="0" dirty="0" smtClean="0"/>
+              <a:t>The </a:t>
+            </a:r>
+            <a:r>
+              <a:rPr lang="en-US" baseline="0" dirty="0" err="1" smtClean="0"/>
+              <a:t>timeseries</a:t>
+            </a:r>
+            <a:r>
+              <a:rPr lang="en-US" baseline="0" dirty="0" smtClean="0"/>
+              <a:t> folder has the time series data, for example, the boundary conditions for the Delta simulation, the stage, flow, DICU, and etc,  and they are in HEC DSS format.</a:t>
+            </a:r>
+          </a:p>
+          <a:p>
+            <a:endParaRPr lang="en-US" baseline="0" dirty="0" smtClean="0"/>
+          </a:p>
+          <a:p>
+            <a:r>
+              <a:rPr lang="en-US" baseline="0" dirty="0" smtClean="0"/>
+              <a:t>The vista folder has a software called vista that can open and visualize DSS file. And also it has some essential libraries for the scripts to run, for example, the CALSIM preprocessing scripts require the libraries in VISTA.</a:t>
+            </a:r>
           </a:p>
         </p:txBody>
       </p:sp>
@@ -1697,7 +1949,18 @@
           </a:bodyPr>
           <a:lstStyle/>
           <a:p>
-            <a:endParaRPr lang="en-US"/>
+            <a:r>
+              <a:rPr lang="en-US" sz="1200" kern="1200" dirty="0" smtClean="0">
+                <a:solidFill>
+                  <a:schemeClr val="tx1"/>
+                </a:solidFill>
+                <a:latin typeface="+mn-lt"/>
+                <a:ea typeface="+mn-ea"/>
+                <a:cs typeface="+mn-cs"/>
+              </a:rPr>
+              <a:t>Eli is going to talk about archiving and multiple installation strategies later and this version stuff is going to come up again</a:t>
+            </a:r>
+            <a:endParaRPr lang="en-US" dirty="0"/>
           </a:p>
         </p:txBody>
       </p:sp>
@@ -1779,18 +2042,7 @@
           </a:bodyPr>
           <a:lstStyle/>
           <a:p>
-            <a:r>
-              <a:rPr lang="en-US" sz="1200" kern="1200" dirty="0" smtClean="0">
-                <a:solidFill>
-                  <a:schemeClr val="tx1"/>
-                </a:solidFill>
-                <a:latin typeface="+mn-lt"/>
-                <a:ea typeface="+mn-ea"/>
-                <a:cs typeface="+mn-cs"/>
-              </a:rPr>
-              <a:t>We are going to use introduce other tools in class for viewing DSS and HDF5 files. Instructions for getting these should be on the web page</a:t>
-            </a:r>
-            <a:endParaRPr lang="en-US" dirty="0"/>
+            <a:endParaRPr lang="en-US"/>
           </a:p>
         </p:txBody>
       </p:sp>
@@ -1872,7 +2124,18 @@
           </a:bodyPr>
           <a:lstStyle/>
           <a:p>
-            <a:endParaRPr lang="en-US"/>
+            <a:r>
+              <a:rPr lang="en-US" sz="1200" kern="1200" dirty="0" smtClean="0">
+                <a:solidFill>
+                  <a:schemeClr val="tx1"/>
+                </a:solidFill>
+                <a:latin typeface="+mn-lt"/>
+                <a:ea typeface="+mn-ea"/>
+                <a:cs typeface="+mn-cs"/>
+              </a:rPr>
+              <a:t>We are going to use introduce other tools in class for viewing DSS and HDF5 files. Instructions for getting these should be on the web page</a:t>
+            </a:r>
+            <a:endParaRPr lang="en-US" dirty="0"/>
           </a:p>
         </p:txBody>
       </p:sp>
@@ -1954,19 +2217,7 @@
           </a:bodyPr>
           <a:lstStyle/>
           <a:p>
-            <a:r>
-              <a:rPr lang="en-US" dirty="0" smtClean="0"/>
-              <a:t>Jamie</a:t>
-            </a:r>
-            <a:r>
-              <a:rPr lang="en-US" baseline="0" dirty="0" smtClean="0"/>
-              <a:t> mentioned that this “Open Command Window Here” is a built-in feature in the newer Windows version Vista. You need to press the Shift key and then right click the folder to see this feature. You can also change the registry to make it appear by default without pressing the </a:t>
-            </a:r>
-            <a:r>
-              <a:rPr lang="en-US" baseline="0" smtClean="0"/>
-              <a:t>Shift key.</a:t>
-            </a:r>
-            <a:endParaRPr lang="en-US" dirty="0"/>
+            <a:endParaRPr lang="en-US"/>
           </a:p>
         </p:txBody>
       </p:sp>
@@ -2184,7 +2435,7 @@
             <a:fld id="{99D1FB89-835D-464F-A26E-B0A973C390E0}" type="datetimeFigureOut">
               <a:rPr lang="en-US" smtClean="0"/>
               <a:pPr/>
-              <a:t>9/9/2009</a:t>
+              <a:t>9/19/2009</a:t>
             </a:fld>
             <a:endParaRPr lang="en-US"/>
           </a:p>
@@ -2351,7 +2602,7 @@
             <a:fld id="{99D1FB89-835D-464F-A26E-B0A973C390E0}" type="datetimeFigureOut">
               <a:rPr lang="en-US" smtClean="0"/>
               <a:pPr/>
-              <a:t>9/9/2009</a:t>
+              <a:t>9/19/2009</a:t>
             </a:fld>
             <a:endParaRPr lang="en-US"/>
           </a:p>
@@ -2528,7 +2779,7 @@
             <a:fld id="{99D1FB89-835D-464F-A26E-B0A973C390E0}" type="datetimeFigureOut">
               <a:rPr lang="en-US" smtClean="0"/>
               <a:pPr/>
-              <a:t>9/9/2009</a:t>
+              <a:t>9/19/2009</a:t>
             </a:fld>
             <a:endParaRPr lang="en-US"/>
           </a:p>
@@ -2695,7 +2946,7 @@
             <a:fld id="{99D1FB89-835D-464F-A26E-B0A973C390E0}" type="datetimeFigureOut">
               <a:rPr lang="en-US" smtClean="0"/>
               <a:pPr/>
-              <a:t>9/9/2009</a:t>
+              <a:t>9/19/2009</a:t>
             </a:fld>
             <a:endParaRPr lang="en-US"/>
           </a:p>
@@ -2938,7 +3189,7 @@
             <a:fld id="{99D1FB89-835D-464F-A26E-B0A973C390E0}" type="datetimeFigureOut">
               <a:rPr lang="en-US" smtClean="0"/>
               <a:pPr/>
-              <a:t>9/9/2009</a:t>
+              <a:t>9/19/2009</a:t>
             </a:fld>
             <a:endParaRPr lang="en-US"/>
           </a:p>
@@ -3223,7 +3474,7 @@
             <a:fld id="{99D1FB89-835D-464F-A26E-B0A973C390E0}" type="datetimeFigureOut">
               <a:rPr lang="en-US" smtClean="0"/>
               <a:pPr/>
-              <a:t>9/9/2009</a:t>
+              <a:t>9/19/2009</a:t>
             </a:fld>
             <a:endParaRPr lang="en-US"/>
           </a:p>
@@ -3642,7 +3893,7 @@
             <a:fld id="{99D1FB89-835D-464F-A26E-B0A973C390E0}" type="datetimeFigureOut">
               <a:rPr lang="en-US" smtClean="0"/>
               <a:pPr/>
-              <a:t>9/9/2009</a:t>
+              <a:t>9/19/2009</a:t>
             </a:fld>
             <a:endParaRPr lang="en-US"/>
           </a:p>
@@ -3757,7 +4008,7 @@
             <a:fld id="{99D1FB89-835D-464F-A26E-B0A973C390E0}" type="datetimeFigureOut">
               <a:rPr lang="en-US" smtClean="0"/>
               <a:pPr/>
-              <a:t>9/9/2009</a:t>
+              <a:t>9/19/2009</a:t>
             </a:fld>
             <a:endParaRPr lang="en-US"/>
           </a:p>
@@ -3849,7 +4100,7 @@
             <a:fld id="{99D1FB89-835D-464F-A26E-B0A973C390E0}" type="datetimeFigureOut">
               <a:rPr lang="en-US" smtClean="0"/>
               <a:pPr/>
-              <a:t>9/9/2009</a:t>
+              <a:t>9/19/2009</a:t>
             </a:fld>
             <a:endParaRPr lang="en-US"/>
           </a:p>
@@ -4123,7 +4374,7 @@
             <a:fld id="{99D1FB89-835D-464F-A26E-B0A973C390E0}" type="datetimeFigureOut">
               <a:rPr lang="en-US" smtClean="0"/>
               <a:pPr/>
-              <a:t>9/9/2009</a:t>
+              <a:t>9/19/2009</a:t>
             </a:fld>
             <a:endParaRPr lang="en-US"/>
           </a:p>
@@ -4373,7 +4624,7 @@
             <a:fld id="{99D1FB89-835D-464F-A26E-B0A973C390E0}" type="datetimeFigureOut">
               <a:rPr lang="en-US" smtClean="0"/>
               <a:pPr/>
-              <a:t>9/9/2009</a:t>
+              <a:t>9/19/2009</a:t>
             </a:fld>
             <a:endParaRPr lang="en-US"/>
           </a:p>
@@ -4583,7 +4834,7 @@
             <a:fld id="{99D1FB89-835D-464F-A26E-B0A973C390E0}" type="datetimeFigureOut">
               <a:rPr lang="en-US" smtClean="0"/>
               <a:pPr/>
-              <a:t>9/9/2009</a:t>
+              <a:t>9/19/2009</a:t>
             </a:fld>
             <a:endParaRPr lang="en-US"/>
           </a:p>
@@ -5115,42 +5366,9 @@
           <a:chExt cx="0" cy="0"/>
         </a:xfrm>
       </p:grpSpPr>
-      <p:sp>
-        <p:nvSpPr>
-          <p:cNvPr id="2" name="Title 1"/>
-          <p:cNvSpPr>
-            <a:spLocks noGrp="1"/>
-          </p:cNvSpPr>
-          <p:nvPr>
-            <p:ph type="title"/>
-          </p:nvPr>
-        </p:nvSpPr>
-        <p:spPr>
-          <a:xfrm>
-            <a:off x="457200" y="76200"/>
-            <a:ext cx="8229600" cy="914400"/>
-          </a:xfrm>
-        </p:spPr>
-        <p:txBody>
-          <a:bodyPr>
-            <a:normAutofit/>
-          </a:bodyPr>
-          <a:lstStyle/>
-          <a:p>
-            <a:r>
-              <a:rPr lang="en-US" dirty="0" smtClean="0"/>
-              <a:t>Notepad</a:t>
-            </a:r>
-            <a:r>
-              <a:rPr lang="en-US" dirty="0"/>
-              <a:t>++ syntax highlighting </a:t>
-            </a:r>
-          </a:p>
-        </p:txBody>
-      </p:sp>
       <p:pic>
         <p:nvPicPr>
-          <p:cNvPr id="3076" name="Picture 4"/>
+          <p:cNvPr id="8197" name="Picture 5"/>
           <p:cNvPicPr>
             <a:picLocks noChangeAspect="1" noChangeArrowheads="1"/>
           </p:cNvPicPr>
@@ -5165,8 +5383,8 @@
         </p:blipFill>
         <p:spPr bwMode="auto">
           <a:xfrm>
-            <a:off x="238125" y="1190625"/>
-            <a:ext cx="6010275" cy="3990975"/>
+            <a:off x="152400" y="1219200"/>
+            <a:ext cx="3622528" cy="3505200"/>
           </a:xfrm>
           <a:prstGeom prst="rect">
             <a:avLst/>
@@ -5178,11 +5396,44 @@
             <a:headEnd/>
             <a:tailEnd/>
           </a:ln>
+          <a:effectLst>
+            <a:softEdge rad="31750"/>
+          </a:effectLst>
         </p:spPr>
       </p:pic>
+      <p:sp>
+        <p:nvSpPr>
+          <p:cNvPr id="2" name="Title 1"/>
+          <p:cNvSpPr>
+            <a:spLocks noGrp="1"/>
+          </p:cNvSpPr>
+          <p:nvPr>
+            <p:ph type="title"/>
+          </p:nvPr>
+        </p:nvSpPr>
+        <p:spPr>
+          <a:xfrm>
+            <a:off x="457200" y="152400"/>
+            <a:ext cx="8229600" cy="685800"/>
+          </a:xfrm>
+        </p:spPr>
+        <p:txBody>
+          <a:bodyPr>
+            <a:normAutofit fontScale="90000"/>
+          </a:bodyPr>
+          <a:lstStyle/>
+          <a:p>
+            <a:r>
+              <a:rPr lang="en-US" dirty="0" smtClean="0"/>
+              <a:t>Open Command Here</a:t>
+            </a:r>
+            <a:endParaRPr lang="en-US" dirty="0"/>
+          </a:p>
+        </p:txBody>
+      </p:sp>
       <p:pic>
         <p:nvPicPr>
-          <p:cNvPr id="3075" name="Picture 3"/>
+          <p:cNvPr id="8194" name="Picture 2"/>
           <p:cNvPicPr>
             <a:picLocks noGrp="1" noChangeAspect="1" noChangeArrowheads="1"/>
           </p:cNvPicPr>
@@ -5192,15 +5443,15 @@
         </p:nvPicPr>
         <p:blipFill>
           <a:blip r:embed="rId4" cstate="print"/>
-          <a:srcRect/>
+          <a:srcRect r="7143" b="6444"/>
           <a:stretch>
             <a:fillRect/>
           </a:stretch>
         </p:blipFill>
         <p:spPr bwMode="auto">
           <a:xfrm>
-            <a:off x="2514600" y="2667000"/>
-            <a:ext cx="6009524" cy="3990476"/>
+            <a:off x="1219200" y="2819400"/>
+            <a:ext cx="2971800" cy="3318656"/>
           </a:xfrm>
           <a:prstGeom prst="rect">
             <a:avLst/>
@@ -5212,11 +5463,18 @@
             <a:headEnd/>
             <a:tailEnd/>
           </a:ln>
+          <a:effectLst>
+            <a:outerShdw blurRad="254000" dist="317500" dir="8100000" algn="tl" rotWithShape="0">
+              <a:schemeClr val="bg1">
+                <a:alpha val="40000"/>
+              </a:schemeClr>
+            </a:outerShdw>
+          </a:effectLst>
         </p:spPr>
       </p:pic>
       <p:pic>
         <p:nvPicPr>
-          <p:cNvPr id="5" name="Picture 4"/>
+          <p:cNvPr id="8199" name="Picture 7"/>
           <p:cNvPicPr>
             <a:picLocks noChangeAspect="1" noChangeArrowheads="1"/>
           </p:cNvPicPr>
@@ -5231,35 +5489,95 @@
         </p:blipFill>
         <p:spPr bwMode="auto">
           <a:xfrm>
-            <a:off x="6235084" y="1371601"/>
-            <a:ext cx="2832716" cy="3462904"/>
+            <a:off x="4038600" y="3429000"/>
+            <a:ext cx="5001522" cy="3124200"/>
           </a:xfrm>
           <a:prstGeom prst="rect">
             <a:avLst/>
           </a:prstGeom>
           <a:noFill/>
           <a:ln w="9525">
-            <a:solidFill>
-              <a:schemeClr val="tx1"/>
-            </a:solidFill>
+            <a:noFill/>
             <a:miter lim="800000"/>
             <a:headEnd/>
             <a:tailEnd/>
           </a:ln>
           <a:effectLst>
-            <a:glow rad="228600">
-              <a:schemeClr val="accent6">
-                <a:satMod val="175000"/>
+            <a:outerShdw blurRad="254000" dist="317500" dir="8100000" algn="tr" rotWithShape="0">
+              <a:prstClr val="black">
                 <a:alpha val="40000"/>
-              </a:schemeClr>
-            </a:glow>
+              </a:prstClr>
+            </a:outerShdw>
           </a:effectLst>
-          <a:scene3d>
-            <a:camera prst="perspectiveContrastingLeftFacing"/>
-            <a:lightRig rig="threePt" dir="t"/>
-          </a:scene3d>
         </p:spPr>
       </p:pic>
+      <p:sp>
+        <p:nvSpPr>
+          <p:cNvPr id="6" name="TextBox 5"/>
+          <p:cNvSpPr txBox="1"/>
+          <p:nvPr/>
+        </p:nvSpPr>
+        <p:spPr>
+          <a:xfrm>
+            <a:off x="3810000" y="1905000"/>
+            <a:ext cx="5029200" cy="523220"/>
+          </a:xfrm>
+          <a:prstGeom prst="rect">
+            <a:avLst/>
+          </a:prstGeom>
+          <a:noFill/>
+        </p:spPr>
+        <p:txBody>
+          <a:bodyPr wrap="square" rtlCol="0">
+            <a:spAutoFit/>
+          </a:bodyPr>
+          <a:lstStyle/>
+          <a:p>
+            <a:r>
+              <a:rPr lang="en-US" sz="2800" dirty="0" smtClean="0"/>
+              <a:t>This is a built-in feature for VISTA</a:t>
+            </a:r>
+            <a:endParaRPr lang="en-US" sz="2800" dirty="0"/>
+          </a:p>
+        </p:txBody>
+      </p:sp>
+      <p:sp>
+        <p:nvSpPr>
+          <p:cNvPr id="7" name="Rectangle 6"/>
+          <p:cNvSpPr/>
+          <p:nvPr/>
+        </p:nvSpPr>
+        <p:spPr>
+          <a:xfrm>
+            <a:off x="4114800" y="990600"/>
+            <a:ext cx="4839210" cy="523220"/>
+          </a:xfrm>
+          <a:prstGeom prst="rect">
+            <a:avLst/>
+          </a:prstGeom>
+          <a:solidFill>
+            <a:schemeClr val="bg1"/>
+          </a:solidFill>
+          <a:ln w="50800">
+            <a:solidFill>
+              <a:srgbClr val="FF0000"/>
+            </a:solidFill>
+          </a:ln>
+        </p:spPr>
+        <p:txBody>
+          <a:bodyPr wrap="none">
+            <a:spAutoFit/>
+          </a:bodyPr>
+          <a:lstStyle/>
+          <a:p>
+            <a:r>
+              <a:rPr lang="en-US" sz="2800" dirty="0" smtClean="0"/>
+              <a:t>Google  “Open Command Here”</a:t>
+            </a:r>
+            <a:endParaRPr lang="en-US" sz="2800" dirty="0"/>
+          </a:p>
+        </p:txBody>
+      </p:sp>
     </p:spTree>
   </p:cSld>
   <p:clrMapOvr>
@@ -5299,22 +5617,144 @@
             <a:spLocks noGrp="1"/>
           </p:cNvSpPr>
           <p:nvPr>
-            <p:ph type="ctrTitle"/>
-          </p:nvPr>
-        </p:nvSpPr>
-        <p:spPr/>
-        <p:txBody>
-          <a:bodyPr/>
+            <p:ph type="title"/>
+          </p:nvPr>
+        </p:nvSpPr>
+        <p:spPr>
+          <a:xfrm>
+            <a:off x="457200" y="76200"/>
+            <a:ext cx="8229600" cy="914400"/>
+          </a:xfrm>
+        </p:spPr>
+        <p:txBody>
+          <a:bodyPr>
+            <a:normAutofit/>
+          </a:bodyPr>
           <a:lstStyle/>
           <a:p>
             <a:r>
               <a:rPr lang="en-US" dirty="0" smtClean="0"/>
-              <a:t>FAQ</a:t>
-            </a:r>
-            <a:endParaRPr lang="en-US" dirty="0"/>
-          </a:p>
-        </p:txBody>
-      </p:sp>
+              <a:t>Notepad</a:t>
+            </a:r>
+            <a:r>
+              <a:rPr lang="en-US" dirty="0"/>
+              <a:t>++ syntax highlighting </a:t>
+            </a:r>
+          </a:p>
+        </p:txBody>
+      </p:sp>
+      <p:pic>
+        <p:nvPicPr>
+          <p:cNvPr id="3076" name="Picture 4"/>
+          <p:cNvPicPr>
+            <a:picLocks noChangeAspect="1" noChangeArrowheads="1"/>
+          </p:cNvPicPr>
+          <p:nvPr/>
+        </p:nvPicPr>
+        <p:blipFill>
+          <a:blip r:embed="rId3" cstate="print"/>
+          <a:srcRect/>
+          <a:stretch>
+            <a:fillRect/>
+          </a:stretch>
+        </p:blipFill>
+        <p:spPr bwMode="auto">
+          <a:xfrm>
+            <a:off x="238125" y="1190625"/>
+            <a:ext cx="6010275" cy="3990975"/>
+          </a:xfrm>
+          <a:prstGeom prst="rect">
+            <a:avLst/>
+          </a:prstGeom>
+          <a:noFill/>
+          <a:ln w="9525">
+            <a:noFill/>
+            <a:miter lim="800000"/>
+            <a:headEnd/>
+            <a:tailEnd/>
+          </a:ln>
+        </p:spPr>
+      </p:pic>
+      <p:pic>
+        <p:nvPicPr>
+          <p:cNvPr id="3075" name="Picture 3"/>
+          <p:cNvPicPr>
+            <a:picLocks noGrp="1" noChangeAspect="1" noChangeArrowheads="1"/>
+          </p:cNvPicPr>
+          <p:nvPr>
+            <p:ph idx="1"/>
+          </p:nvPr>
+        </p:nvPicPr>
+        <p:blipFill>
+          <a:blip r:embed="rId4" cstate="print"/>
+          <a:srcRect/>
+          <a:stretch>
+            <a:fillRect/>
+          </a:stretch>
+        </p:blipFill>
+        <p:spPr bwMode="auto">
+          <a:xfrm>
+            <a:off x="2514600" y="2667000"/>
+            <a:ext cx="6009524" cy="3990476"/>
+          </a:xfrm>
+          <a:prstGeom prst="rect">
+            <a:avLst/>
+          </a:prstGeom>
+          <a:noFill/>
+          <a:ln w="9525">
+            <a:noFill/>
+            <a:miter lim="800000"/>
+            <a:headEnd/>
+            <a:tailEnd/>
+          </a:ln>
+        </p:spPr>
+      </p:pic>
+      <p:pic>
+        <p:nvPicPr>
+          <p:cNvPr id="5" name="Picture 4"/>
+          <p:cNvPicPr>
+            <a:picLocks noChangeAspect="1" noChangeArrowheads="1"/>
+          </p:cNvPicPr>
+          <p:nvPr/>
+        </p:nvPicPr>
+        <p:blipFill>
+          <a:blip r:embed="rId5" cstate="print"/>
+          <a:srcRect/>
+          <a:stretch>
+            <a:fillRect/>
+          </a:stretch>
+        </p:blipFill>
+        <p:spPr bwMode="auto">
+          <a:xfrm>
+            <a:off x="6235084" y="1371601"/>
+            <a:ext cx="2832716" cy="3462904"/>
+          </a:xfrm>
+          <a:prstGeom prst="rect">
+            <a:avLst/>
+          </a:prstGeom>
+          <a:noFill/>
+          <a:ln w="9525">
+            <a:solidFill>
+              <a:schemeClr val="tx1"/>
+            </a:solidFill>
+            <a:miter lim="800000"/>
+            <a:headEnd/>
+            <a:tailEnd/>
+          </a:ln>
+          <a:effectLst>
+            <a:glow rad="228600">
+              <a:schemeClr val="accent6">
+                <a:satMod val="175000"/>
+                <a:alpha val="40000"/>
+              </a:schemeClr>
+            </a:glow>
+          </a:effectLst>
+          <a:scene3d>
+            <a:camera prst="perspectiveContrastingLeftFacing"/>
+            <a:lightRig rig="threePt" dir="t"/>
+          </a:scene3d>
+        </p:spPr>
+      </p:pic>
     </p:spTree>
   </p:cSld>
   <p:clrMapOvr>
@@ -5331,6 +5771,61 @@
 </file>
 
 <file path=ppt/slides/slide12.xml><?xml version="1.0" encoding="utf-8"?>
+<p:sld xmlns:a="http://schemas.openxmlformats.org/drawingml/2006/main" xmlns:r="http://schemas.openxmlformats.org/officeDocument/2006/relationships" xmlns:p="http://schemas.openxmlformats.org/presentationml/2006/main">
+  <p:cSld>
+    <p:spTree>
+      <p:nvGrpSpPr>
+        <p:cNvPr id="1" name=""/>
+        <p:cNvGrpSpPr/>
+        <p:nvPr/>
+      </p:nvGrpSpPr>
+      <p:grpSpPr>
+        <a:xfrm>
+          <a:off x="0" y="0"/>
+          <a:ext cx="0" cy="0"/>
+          <a:chOff x="0" y="0"/>
+          <a:chExt cx="0" cy="0"/>
+        </a:xfrm>
+      </p:grpSpPr>
+      <p:sp>
+        <p:nvSpPr>
+          <p:cNvPr id="2" name="Title 1"/>
+          <p:cNvSpPr>
+            <a:spLocks noGrp="1"/>
+          </p:cNvSpPr>
+          <p:nvPr>
+            <p:ph type="ctrTitle"/>
+          </p:nvPr>
+        </p:nvSpPr>
+        <p:spPr/>
+        <p:txBody>
+          <a:bodyPr/>
+          <a:lstStyle/>
+          <a:p>
+            <a:r>
+              <a:rPr lang="en-US" dirty="0" smtClean="0"/>
+              <a:t>FAQ</a:t>
+            </a:r>
+            <a:endParaRPr lang="en-US" dirty="0"/>
+          </a:p>
+        </p:txBody>
+      </p:sp>
+    </p:spTree>
+  </p:cSld>
+  <p:clrMapOvr>
+    <a:masterClrMapping/>
+  </p:clrMapOvr>
+  <p:timing>
+    <p:tnLst>
+      <p:par>
+        <p:cTn id="1" dur="indefinite" restart="never" nodeType="tmRoot"/>
+      </p:par>
+    </p:tnLst>
+  </p:timing>
+</p:sld>
+</file>
+
+<file path=ppt/slides/slide13.xml><?xml version="1.0" encoding="utf-8"?>
 <p:sld xmlns:a="http://schemas.openxmlformats.org/drawingml/2006/main" xmlns:r="http://schemas.openxmlformats.org/officeDocument/2006/relationships" xmlns:p="http://schemas.openxmlformats.org/presentationml/2006/main">
   <p:cSld>
     <p:spTree>
@@ -5817,7 +6312,7 @@
 </p:sld>
 </file>
 
-<file path=ppt/slides/slide13.xml><?xml version="1.0" encoding="utf-8"?>
+<file path=ppt/slides/slide14.xml><?xml version="1.0" encoding="utf-8"?>
 <p:sld xmlns:a="http://schemas.openxmlformats.org/drawingml/2006/main" xmlns:r="http://schemas.openxmlformats.org/officeDocument/2006/relationships" xmlns:p="http://schemas.openxmlformats.org/presentationml/2006/main">
   <p:cSld>
     <p:spTree>
@@ -6413,210 +6908,6 @@
           </a:fontRef>
         </p:style>
       </p:cxnSp>
-    </p:spTree>
-  </p:cSld>
-  <p:clrMapOvr>
-    <a:masterClrMapping/>
-  </p:clrMapOvr>
-  <p:timing>
-    <p:tnLst>
-      <p:par>
-        <p:cTn id="1" dur="indefinite" restart="never" nodeType="tmRoot"/>
-      </p:par>
-    </p:tnLst>
-  </p:timing>
-</p:sld>
-</file>
-
-<file path=ppt/slides/slide14.xml><?xml version="1.0" encoding="utf-8"?>
-<p:sld xmlns:a="http://schemas.openxmlformats.org/drawingml/2006/main" xmlns:r="http://schemas.openxmlformats.org/officeDocument/2006/relationships" xmlns:p="http://schemas.openxmlformats.org/presentationml/2006/main">
-  <p:cSld>
-    <p:spTree>
-      <p:nvGrpSpPr>
-        <p:cNvPr id="1" name=""/>
-        <p:cNvGrpSpPr/>
-        <p:nvPr/>
-      </p:nvGrpSpPr>
-      <p:grpSpPr>
-        <a:xfrm>
-          <a:off x="0" y="0"/>
-          <a:ext cx="0" cy="0"/>
-          <a:chOff x="0" y="0"/>
-          <a:chExt cx="0" cy="0"/>
-        </a:xfrm>
-      </p:grpSpPr>
-      <p:sp>
-        <p:nvSpPr>
-          <p:cNvPr id="2" name="Title 1"/>
-          <p:cNvSpPr>
-            <a:spLocks noGrp="1"/>
-          </p:cNvSpPr>
-          <p:nvPr>
-            <p:ph type="title"/>
-          </p:nvPr>
-        </p:nvSpPr>
-        <p:spPr>
-          <a:xfrm>
-            <a:off x="304800" y="152400"/>
-            <a:ext cx="8839200" cy="792162"/>
-          </a:xfrm>
-        </p:spPr>
-        <p:txBody>
-          <a:bodyPr>
-            <a:noAutofit/>
-          </a:bodyPr>
-          <a:lstStyle/>
-          <a:p>
-            <a:r>
-              <a:rPr lang="en-US" sz="2800" dirty="0" smtClean="0"/>
-              <a:t>Question: What happened if Installing over previous install?</a:t>
-            </a:r>
-            <a:endParaRPr lang="en-US" sz="2800" dirty="0"/>
-          </a:p>
-        </p:txBody>
-      </p:sp>
-      <p:pic>
-        <p:nvPicPr>
-          <p:cNvPr id="4104" name="Picture 8"/>
-          <p:cNvPicPr>
-            <a:picLocks noChangeAspect="1" noChangeArrowheads="1"/>
-          </p:cNvPicPr>
-          <p:nvPr/>
-        </p:nvPicPr>
-        <p:blipFill>
-          <a:blip r:embed="rId3" cstate="print"/>
-          <a:srcRect/>
-          <a:stretch>
-            <a:fillRect/>
-          </a:stretch>
-        </p:blipFill>
-        <p:spPr bwMode="auto">
-          <a:xfrm>
-            <a:off x="1219200" y="3886200"/>
-            <a:ext cx="7542213" cy="2838450"/>
-          </a:xfrm>
-          <a:prstGeom prst="rect">
-            <a:avLst/>
-          </a:prstGeom>
-          <a:noFill/>
-          <a:ln w="9525">
-            <a:noFill/>
-            <a:miter lim="800000"/>
-            <a:headEnd/>
-            <a:tailEnd/>
-          </a:ln>
-        </p:spPr>
-      </p:pic>
-      <p:pic>
-        <p:nvPicPr>
-          <p:cNvPr id="4103" name="Picture 7"/>
-          <p:cNvPicPr>
-            <a:picLocks noChangeAspect="1" noChangeArrowheads="1"/>
-          </p:cNvPicPr>
-          <p:nvPr/>
-        </p:nvPicPr>
-        <p:blipFill>
-          <a:blip r:embed="rId4" cstate="print"/>
-          <a:srcRect/>
-          <a:stretch>
-            <a:fillRect/>
-          </a:stretch>
-        </p:blipFill>
-        <p:spPr bwMode="auto">
-          <a:xfrm>
-            <a:off x="914400" y="990600"/>
-            <a:ext cx="2971800" cy="3596771"/>
-          </a:xfrm>
-          <a:prstGeom prst="rect">
-            <a:avLst/>
-          </a:prstGeom>
-          <a:noFill/>
-          <a:ln w="9525">
-            <a:noFill/>
-            <a:miter lim="800000"/>
-            <a:headEnd/>
-            <a:tailEnd/>
-          </a:ln>
-        </p:spPr>
-      </p:pic>
-      <p:sp>
-        <p:nvSpPr>
-          <p:cNvPr id="15" name="Oval 14"/>
-          <p:cNvSpPr/>
-          <p:nvPr/>
-        </p:nvSpPr>
-        <p:spPr>
-          <a:xfrm>
-            <a:off x="6705600" y="5029200"/>
-            <a:ext cx="1371600" cy="381000"/>
-          </a:xfrm>
-          <a:prstGeom prst="ellipse">
-            <a:avLst/>
-          </a:prstGeom>
-          <a:noFill/>
-          <a:ln w="57150">
-            <a:solidFill>
-              <a:srgbClr val="FF0000"/>
-            </a:solidFill>
-          </a:ln>
-        </p:spPr>
-        <p:style>
-          <a:lnRef idx="2">
-            <a:schemeClr val="accent1">
-              <a:shade val="50000"/>
-            </a:schemeClr>
-          </a:lnRef>
-          <a:fillRef idx="1">
-            <a:schemeClr val="accent1"/>
-          </a:fillRef>
-          <a:effectRef idx="0">
-            <a:schemeClr val="accent1"/>
-          </a:effectRef>
-          <a:fontRef idx="minor">
-            <a:schemeClr val="lt1"/>
-          </a:fontRef>
-        </p:style>
-        <p:txBody>
-          <a:bodyPr rtlCol="0" anchor="ctr"/>
-          <a:lstStyle/>
-          <a:p>
-            <a:pPr algn="ctr"/>
-            <a:endParaRPr lang="en-US"/>
-          </a:p>
-        </p:txBody>
-      </p:sp>
-      <p:pic>
-        <p:nvPicPr>
-          <p:cNvPr id="4105" name="Picture 9"/>
-          <p:cNvPicPr>
-            <a:picLocks noChangeAspect="1" noChangeArrowheads="1"/>
-          </p:cNvPicPr>
-          <p:nvPr/>
-        </p:nvPicPr>
-        <p:blipFill>
-          <a:blip r:embed="rId5" cstate="print"/>
-          <a:srcRect/>
-          <a:stretch>
-            <a:fillRect/>
-          </a:stretch>
-        </p:blipFill>
-        <p:spPr bwMode="auto">
-          <a:xfrm>
-            <a:off x="4876800" y="990600"/>
-            <a:ext cx="3657600" cy="3616193"/>
-          </a:xfrm>
-          <a:prstGeom prst="rect">
-            <a:avLst/>
-          </a:prstGeom>
-          <a:noFill/>
-          <a:ln w="9525">
-            <a:noFill/>
-            <a:miter lim="800000"/>
-            <a:headEnd/>
-            <a:tailEnd/>
-          </a:ln>
-        </p:spPr>
-      </p:pic>
     </p:spTree>
   </p:cSld>
   <p:clrMapOvr>
@@ -6661,6 +6952,210 @@
         </p:nvSpPr>
         <p:spPr>
           <a:xfrm>
+            <a:off x="304800" y="152400"/>
+            <a:ext cx="8839200" cy="792162"/>
+          </a:xfrm>
+        </p:spPr>
+        <p:txBody>
+          <a:bodyPr>
+            <a:noAutofit/>
+          </a:bodyPr>
+          <a:lstStyle/>
+          <a:p>
+            <a:r>
+              <a:rPr lang="en-US" sz="2800" dirty="0" smtClean="0"/>
+              <a:t>Question: What happened if Installing over previous install?</a:t>
+            </a:r>
+            <a:endParaRPr lang="en-US" sz="2800" dirty="0"/>
+          </a:p>
+        </p:txBody>
+      </p:sp>
+      <p:pic>
+        <p:nvPicPr>
+          <p:cNvPr id="4104" name="Picture 8"/>
+          <p:cNvPicPr>
+            <a:picLocks noChangeAspect="1" noChangeArrowheads="1"/>
+          </p:cNvPicPr>
+          <p:nvPr/>
+        </p:nvPicPr>
+        <p:blipFill>
+          <a:blip r:embed="rId3" cstate="print"/>
+          <a:srcRect/>
+          <a:stretch>
+            <a:fillRect/>
+          </a:stretch>
+        </p:blipFill>
+        <p:spPr bwMode="auto">
+          <a:xfrm>
+            <a:off x="1219200" y="3886200"/>
+            <a:ext cx="7542213" cy="2838450"/>
+          </a:xfrm>
+          <a:prstGeom prst="rect">
+            <a:avLst/>
+          </a:prstGeom>
+          <a:noFill/>
+          <a:ln w="9525">
+            <a:noFill/>
+            <a:miter lim="800000"/>
+            <a:headEnd/>
+            <a:tailEnd/>
+          </a:ln>
+        </p:spPr>
+      </p:pic>
+      <p:pic>
+        <p:nvPicPr>
+          <p:cNvPr id="4103" name="Picture 7"/>
+          <p:cNvPicPr>
+            <a:picLocks noChangeAspect="1" noChangeArrowheads="1"/>
+          </p:cNvPicPr>
+          <p:nvPr/>
+        </p:nvPicPr>
+        <p:blipFill>
+          <a:blip r:embed="rId4" cstate="print"/>
+          <a:srcRect/>
+          <a:stretch>
+            <a:fillRect/>
+          </a:stretch>
+        </p:blipFill>
+        <p:spPr bwMode="auto">
+          <a:xfrm>
+            <a:off x="914400" y="990600"/>
+            <a:ext cx="2971800" cy="3596771"/>
+          </a:xfrm>
+          <a:prstGeom prst="rect">
+            <a:avLst/>
+          </a:prstGeom>
+          <a:noFill/>
+          <a:ln w="9525">
+            <a:noFill/>
+            <a:miter lim="800000"/>
+            <a:headEnd/>
+            <a:tailEnd/>
+          </a:ln>
+        </p:spPr>
+      </p:pic>
+      <p:sp>
+        <p:nvSpPr>
+          <p:cNvPr id="15" name="Oval 14"/>
+          <p:cNvSpPr/>
+          <p:nvPr/>
+        </p:nvSpPr>
+        <p:spPr>
+          <a:xfrm>
+            <a:off x="6705600" y="5029200"/>
+            <a:ext cx="1371600" cy="381000"/>
+          </a:xfrm>
+          <a:prstGeom prst="ellipse">
+            <a:avLst/>
+          </a:prstGeom>
+          <a:noFill/>
+          <a:ln w="57150">
+            <a:solidFill>
+              <a:srgbClr val="FF0000"/>
+            </a:solidFill>
+          </a:ln>
+        </p:spPr>
+        <p:style>
+          <a:lnRef idx="2">
+            <a:schemeClr val="accent1">
+              <a:shade val="50000"/>
+            </a:schemeClr>
+          </a:lnRef>
+          <a:fillRef idx="1">
+            <a:schemeClr val="accent1"/>
+          </a:fillRef>
+          <a:effectRef idx="0">
+            <a:schemeClr val="accent1"/>
+          </a:effectRef>
+          <a:fontRef idx="minor">
+            <a:schemeClr val="lt1"/>
+          </a:fontRef>
+        </p:style>
+        <p:txBody>
+          <a:bodyPr rtlCol="0" anchor="ctr"/>
+          <a:lstStyle/>
+          <a:p>
+            <a:pPr algn="ctr"/>
+            <a:endParaRPr lang="en-US"/>
+          </a:p>
+        </p:txBody>
+      </p:sp>
+      <p:pic>
+        <p:nvPicPr>
+          <p:cNvPr id="4105" name="Picture 9"/>
+          <p:cNvPicPr>
+            <a:picLocks noChangeAspect="1" noChangeArrowheads="1"/>
+          </p:cNvPicPr>
+          <p:nvPr/>
+        </p:nvPicPr>
+        <p:blipFill>
+          <a:blip r:embed="rId5" cstate="print"/>
+          <a:srcRect/>
+          <a:stretch>
+            <a:fillRect/>
+          </a:stretch>
+        </p:blipFill>
+        <p:spPr bwMode="auto">
+          <a:xfrm>
+            <a:off x="4876800" y="990600"/>
+            <a:ext cx="3657600" cy="3616193"/>
+          </a:xfrm>
+          <a:prstGeom prst="rect">
+            <a:avLst/>
+          </a:prstGeom>
+          <a:noFill/>
+          <a:ln w="9525">
+            <a:noFill/>
+            <a:miter lim="800000"/>
+            <a:headEnd/>
+            <a:tailEnd/>
+          </a:ln>
+        </p:spPr>
+      </p:pic>
+    </p:spTree>
+  </p:cSld>
+  <p:clrMapOvr>
+    <a:masterClrMapping/>
+  </p:clrMapOvr>
+  <p:timing>
+    <p:tnLst>
+      <p:par>
+        <p:cTn id="1" dur="indefinite" restart="never" nodeType="tmRoot"/>
+      </p:par>
+    </p:tnLst>
+  </p:timing>
+</p:sld>
+</file>
+
+<file path=ppt/slides/slide16.xml><?xml version="1.0" encoding="utf-8"?>
+<p:sld xmlns:a="http://schemas.openxmlformats.org/drawingml/2006/main" xmlns:r="http://schemas.openxmlformats.org/officeDocument/2006/relationships" xmlns:p="http://schemas.openxmlformats.org/presentationml/2006/main">
+  <p:cSld>
+    <p:spTree>
+      <p:nvGrpSpPr>
+        <p:cNvPr id="1" name=""/>
+        <p:cNvGrpSpPr/>
+        <p:nvPr/>
+      </p:nvGrpSpPr>
+      <p:grpSpPr>
+        <a:xfrm>
+          <a:off x="0" y="0"/>
+          <a:ext cx="0" cy="0"/>
+          <a:chOff x="0" y="0"/>
+          <a:chExt cx="0" cy="0"/>
+        </a:xfrm>
+      </p:grpSpPr>
+      <p:sp>
+        <p:nvSpPr>
+          <p:cNvPr id="2" name="Title 1"/>
+          <p:cNvSpPr>
+            <a:spLocks noGrp="1"/>
+          </p:cNvSpPr>
+          <p:nvPr>
+            <p:ph type="title"/>
+          </p:nvPr>
+        </p:nvSpPr>
+        <p:spPr>
+          <a:xfrm>
             <a:off x="457200" y="274638"/>
             <a:ext cx="8229600" cy="715962"/>
           </a:xfrm>
@@ -6773,11 +7268,7 @@
           <a:p>
             <a:r>
               <a:rPr lang="en-US" sz="2800" dirty="0" smtClean="0"/>
-              <a:t>Google </a:t>
-            </a:r>
-            <a:r>
-              <a:rPr lang="en-US" sz="2800" dirty="0" smtClean="0"/>
-              <a:t> “DSM2”</a:t>
+              <a:t>Google  “DSM2”</a:t>
             </a:r>
             <a:endParaRPr lang="en-US" sz="2800" dirty="0"/>
           </a:p>
@@ -6839,7 +7330,7 @@
 </p:sld>
 </file>
 
-<file path=ppt/slides/slide16.xml><?xml version="1.0" encoding="utf-8"?>
+<file path=ppt/slides/slide17.xml><?xml version="1.0" encoding="utf-8"?>
 <p:sld xmlns:a="http://schemas.openxmlformats.org/drawingml/2006/main" xmlns:r="http://schemas.openxmlformats.org/officeDocument/2006/relationships" xmlns:p="http://schemas.openxmlformats.org/presentationml/2006/main">
   <p:cSld>
     <p:bg>
@@ -7013,11 +7504,7 @@
           <a:p>
             <a:r>
               <a:rPr lang="en-US" sz="2800" dirty="0" smtClean="0"/>
-              <a:t>Google </a:t>
-            </a:r>
-            <a:r>
-              <a:rPr lang="en-US" sz="2800" dirty="0" smtClean="0"/>
-              <a:t> “DSM2”</a:t>
+              <a:t>Google  “DSM2”</a:t>
             </a:r>
             <a:endParaRPr lang="en-US" sz="2800" dirty="0"/>
           </a:p>
@@ -7096,38 +7583,13 @@
           <a:chExt cx="0" cy="0"/>
         </a:xfrm>
       </p:grpSpPr>
-      <p:sp>
-        <p:nvSpPr>
-          <p:cNvPr id="2" name="Title 1"/>
-          <p:cNvSpPr>
-            <a:spLocks noGrp="1"/>
-          </p:cNvSpPr>
-          <p:nvPr>
-            <p:ph type="title"/>
-          </p:nvPr>
-        </p:nvSpPr>
-        <p:spPr/>
-        <p:txBody>
-          <a:bodyPr/>
-          <a:lstStyle/>
-          <a:p>
-            <a:r>
-              <a:rPr lang="en-US" dirty="0" smtClean="0"/>
-              <a:t>Install DSM2</a:t>
-            </a:r>
-            <a:endParaRPr lang="en-US" dirty="0"/>
-          </a:p>
-        </p:txBody>
-      </p:sp>
       <p:pic>
         <p:nvPicPr>
-          <p:cNvPr id="1026" name="Picture 2"/>
+          <p:cNvPr id="2053" name="Picture 5"/>
           <p:cNvPicPr>
-            <a:picLocks noGrp="1" noChangeAspect="1" noChangeArrowheads="1"/>
+            <a:picLocks noChangeAspect="1" noChangeArrowheads="1"/>
           </p:cNvPicPr>
-          <p:nvPr>
-            <p:ph idx="1"/>
-          </p:nvPr>
+          <p:nvPr/>
         </p:nvPicPr>
         <p:blipFill>
           <a:blip r:embed="rId3" cstate="print"/>
@@ -7138,8 +7600,8 @@
         </p:blipFill>
         <p:spPr bwMode="auto">
           <a:xfrm>
-            <a:off x="228600" y="1981200"/>
-            <a:ext cx="4790477" cy="3733334"/>
+            <a:off x="135534" y="1143000"/>
+            <a:ext cx="2226666" cy="3960001"/>
           </a:xfrm>
           <a:prstGeom prst="rect">
             <a:avLst/>
@@ -7155,7 +7617,7 @@
       </p:pic>
       <p:pic>
         <p:nvPicPr>
-          <p:cNvPr id="7" name="Picture 4"/>
+          <p:cNvPr id="2054" name="Picture 6"/>
           <p:cNvPicPr>
             <a:picLocks noChangeAspect="1" noChangeArrowheads="1"/>
           </p:cNvPicPr>
@@ -7170,23 +7632,124 @@
         </p:blipFill>
         <p:spPr bwMode="auto">
           <a:xfrm>
-            <a:off x="5334000" y="1981200"/>
-            <a:ext cx="3328321" cy="4068763"/>
+            <a:off x="1589067" y="1320466"/>
+            <a:ext cx="2373333" cy="2413334"/>
           </a:xfrm>
           <a:prstGeom prst="rect">
             <a:avLst/>
           </a:prstGeom>
           <a:noFill/>
           <a:ln w="9525">
-            <a:solidFill>
-              <a:schemeClr val="tx1"/>
-            </a:solidFill>
+            <a:noFill/>
             <a:miter lim="800000"/>
             <a:headEnd/>
             <a:tailEnd/>
           </a:ln>
+          <a:effectLst>
+            <a:outerShdw blurRad="254000" dist="190500" dir="9600000" algn="r" rotWithShape="0">
+              <a:prstClr val="black">
+                <a:alpha val="40000"/>
+              </a:prstClr>
+            </a:outerShdw>
+          </a:effectLst>
         </p:spPr>
       </p:pic>
+      <p:pic>
+        <p:nvPicPr>
+          <p:cNvPr id="2052" name="Picture 4"/>
+          <p:cNvPicPr>
+            <a:picLocks noChangeAspect="1" noChangeArrowheads="1"/>
+          </p:cNvPicPr>
+          <p:nvPr/>
+        </p:nvPicPr>
+        <p:blipFill>
+          <a:blip r:embed="rId5" cstate="print"/>
+          <a:srcRect/>
+          <a:stretch>
+            <a:fillRect/>
+          </a:stretch>
+        </p:blipFill>
+        <p:spPr bwMode="auto">
+          <a:xfrm>
+            <a:off x="2899666" y="1103134"/>
+            <a:ext cx="2053334" cy="1106666"/>
+          </a:xfrm>
+          <a:prstGeom prst="rect">
+            <a:avLst/>
+          </a:prstGeom>
+          <a:noFill/>
+          <a:ln w="9525">
+            <a:noFill/>
+            <a:miter lim="800000"/>
+            <a:headEnd/>
+            <a:tailEnd/>
+          </a:ln>
+          <a:effectLst>
+            <a:outerShdw blurRad="254000" dist="190500" dir="9600000" algn="r" rotWithShape="0">
+              <a:prstClr val="black">
+                <a:alpha val="40000"/>
+              </a:prstClr>
+            </a:outerShdw>
+          </a:effectLst>
+        </p:spPr>
+      </p:pic>
+      <p:pic>
+        <p:nvPicPr>
+          <p:cNvPr id="11" name="Picture 12" descr="documentation"/>
+          <p:cNvPicPr>
+            <a:picLocks noChangeAspect="1" noChangeArrowheads="1"/>
+          </p:cNvPicPr>
+          <p:nvPr/>
+        </p:nvPicPr>
+        <p:blipFill>
+          <a:blip r:embed="rId6" cstate="print"/>
+          <a:srcRect/>
+          <a:stretch>
+            <a:fillRect/>
+          </a:stretch>
+        </p:blipFill>
+        <p:spPr bwMode="auto">
+          <a:xfrm>
+            <a:off x="4486275" y="2314575"/>
+            <a:ext cx="4505325" cy="3705225"/>
+          </a:xfrm>
+          <a:prstGeom prst="rect">
+            <a:avLst/>
+          </a:prstGeom>
+          <a:noFill/>
+          <a:effectLst>
+            <a:reflection blurRad="6350" stA="50000" endA="300" endPos="38500" dist="50800" dir="5400000" sy="-100000" algn="bl" rotWithShape="0"/>
+          </a:effectLst>
+        </p:spPr>
+      </p:pic>
+      <p:sp>
+        <p:nvSpPr>
+          <p:cNvPr id="12" name="Title 1"/>
+          <p:cNvSpPr>
+            <a:spLocks noGrp="1"/>
+          </p:cNvSpPr>
+          <p:nvPr>
+            <p:ph type="title"/>
+          </p:nvPr>
+        </p:nvSpPr>
+        <p:spPr>
+          <a:xfrm>
+            <a:off x="457200" y="152400"/>
+            <a:ext cx="8229600" cy="792162"/>
+          </a:xfrm>
+        </p:spPr>
+        <p:txBody>
+          <a:bodyPr/>
+          <a:lstStyle/>
+          <a:p>
+            <a:r>
+              <a:rPr lang="en-US" dirty="0" smtClean="0"/>
+              <a:t>DSM2 Documentation</a:t>
+            </a:r>
+            <a:endParaRPr lang="en-US" dirty="0"/>
+          </a:p>
+        </p:txBody>
+      </p:sp>
     </p:spTree>
   </p:cSld>
   <p:clrMapOvr>
@@ -7221,7 +7784,7 @@
       </p:grpSpPr>
       <p:pic>
         <p:nvPicPr>
-          <p:cNvPr id="2053" name="Picture 5"/>
+          <p:cNvPr id="2054" name="Picture 6"/>
           <p:cNvPicPr>
             <a:picLocks noChangeAspect="1" noChangeArrowheads="1"/>
           </p:cNvPicPr>
@@ -7236,39 +7799,7 @@
         </p:blipFill>
         <p:spPr bwMode="auto">
           <a:xfrm>
-            <a:off x="135534" y="1143000"/>
-            <a:ext cx="2226666" cy="3960001"/>
-          </a:xfrm>
-          <a:prstGeom prst="rect">
-            <a:avLst/>
-          </a:prstGeom>
-          <a:noFill/>
-          <a:ln w="9525">
-            <a:noFill/>
-            <a:miter lim="800000"/>
-            <a:headEnd/>
-            <a:tailEnd/>
-          </a:ln>
-        </p:spPr>
-      </p:pic>
-      <p:pic>
-        <p:nvPicPr>
-          <p:cNvPr id="2054" name="Picture 6"/>
-          <p:cNvPicPr>
-            <a:picLocks noChangeAspect="1" noChangeArrowheads="1"/>
-          </p:cNvPicPr>
-          <p:nvPr/>
-        </p:nvPicPr>
-        <p:blipFill>
-          <a:blip r:embed="rId4" cstate="print"/>
-          <a:srcRect/>
-          <a:stretch>
-            <a:fillRect/>
-          </a:stretch>
-        </p:blipFill>
-        <p:spPr bwMode="auto">
-          <a:xfrm>
-            <a:off x="1589067" y="1320466"/>
+            <a:off x="228600" y="1371600"/>
             <a:ext cx="2373333" cy="2413334"/>
           </a:xfrm>
           <a:prstGeom prst="rect">
@@ -7288,18 +7819,54 @@
               </a:prstClr>
             </a:outerShdw>
           </a:effectLst>
+          <a:scene3d>
+            <a:camera prst="perspectiveRight"/>
+            <a:lightRig rig="threePt" dir="t"/>
+          </a:scene3d>
         </p:spPr>
       </p:pic>
+      <p:sp>
+        <p:nvSpPr>
+          <p:cNvPr id="12" name="Title 1"/>
+          <p:cNvSpPr>
+            <a:spLocks noGrp="1"/>
+          </p:cNvSpPr>
+          <p:nvPr>
+            <p:ph type="title"/>
+          </p:nvPr>
+        </p:nvSpPr>
+        <p:spPr>
+          <a:xfrm>
+            <a:off x="457200" y="152400"/>
+            <a:ext cx="8229600" cy="792162"/>
+          </a:xfrm>
+        </p:spPr>
+        <p:txBody>
+          <a:bodyPr/>
+          <a:lstStyle/>
+          <a:p>
+            <a:r>
+              <a:rPr lang="en-US" dirty="0" smtClean="0"/>
+              <a:t>DSM2 </a:t>
+            </a:r>
+            <a:r>
+              <a:rPr lang="en-US" dirty="0" smtClean="0"/>
+              <a:t>Grid</a:t>
+            </a:r>
+            <a:endParaRPr lang="en-US" dirty="0"/>
+          </a:p>
+        </p:txBody>
+      </p:sp>
       <p:pic>
         <p:nvPicPr>
-          <p:cNvPr id="2052" name="Picture 4"/>
+          <p:cNvPr id="1027" name="Picture 3"/>
           <p:cNvPicPr>
             <a:picLocks noChangeAspect="1" noChangeArrowheads="1"/>
           </p:cNvPicPr>
           <p:nvPr/>
         </p:nvPicPr>
         <p:blipFill>
-          <a:blip r:embed="rId5" cstate="print"/>
+          <a:blip r:embed="rId4"/>
           <a:srcRect/>
           <a:stretch>
             <a:fillRect/>
@@ -7307,8 +7874,8 @@
         </p:blipFill>
         <p:spPr bwMode="auto">
           <a:xfrm>
-            <a:off x="2899666" y="1103134"/>
-            <a:ext cx="2053334" cy="1106666"/>
+            <a:off x="1447800" y="1128857"/>
+            <a:ext cx="1992858" cy="1157143"/>
           </a:xfrm>
           <a:prstGeom prst="rect">
             <a:avLst/>
@@ -7321,24 +7888,28 @@
             <a:tailEnd/>
           </a:ln>
           <a:effectLst>
-            <a:outerShdw blurRad="254000" dist="190500" dir="9600000" algn="r" rotWithShape="0">
-              <a:prstClr val="black">
+            <a:outerShdw blurRad="254000" dist="190500" dir="9600000" algn="ctr" rotWithShape="0">
+              <a:srgbClr val="000000">
                 <a:alpha val="40000"/>
-              </a:prstClr>
+              </a:srgbClr>
             </a:outerShdw>
           </a:effectLst>
+          <a:scene3d>
+            <a:camera prst="perspectiveRight"/>
+            <a:lightRig rig="threePt" dir="t"/>
+          </a:scene3d>
         </p:spPr>
       </p:pic>
       <p:pic>
         <p:nvPicPr>
-          <p:cNvPr id="11" name="Picture 12" descr="documentation"/>
+          <p:cNvPr id="1030" name="Picture 6"/>
           <p:cNvPicPr>
             <a:picLocks noChangeAspect="1" noChangeArrowheads="1"/>
           </p:cNvPicPr>
           <p:nvPr/>
         </p:nvPicPr>
         <p:blipFill>
-          <a:blip r:embed="rId6" cstate="print"/>
+          <a:blip r:embed="rId5"/>
           <a:srcRect/>
           <a:stretch>
             <a:fillRect/>
@@ -7346,46 +7917,39 @@
         </p:blipFill>
         <p:spPr bwMode="auto">
           <a:xfrm>
-            <a:off x="4486275" y="2314575"/>
-            <a:ext cx="4505325" cy="3705225"/>
+            <a:off x="3665857" y="1317428"/>
+            <a:ext cx="4587429" cy="5540572"/>
           </a:xfrm>
           <a:prstGeom prst="rect">
             <a:avLst/>
           </a:prstGeom>
           <a:noFill/>
+          <a:ln w="9525">
+            <a:noFill/>
+            <a:miter lim="800000"/>
+            <a:headEnd/>
+            <a:tailEnd/>
+          </a:ln>
           <a:effectLst>
-            <a:reflection blurRad="6350" stA="50000" endA="300" endPos="38500" dist="50800" dir="5400000" sy="-100000" algn="bl" rotWithShape="0"/>
+            <a:outerShdw blurRad="254000" dist="190500" dir="9600000" algn="ctr">
+              <a:srgbClr val="000000">
+                <a:alpha val="40000"/>
+              </a:srgbClr>
+            </a:outerShdw>
           </a:effectLst>
+          <a:scene3d>
+            <a:camera prst="orthographicFront">
+              <a:rot lat="0" lon="0" rev="0"/>
+            </a:camera>
+            <a:lightRig rig="contrasting" dir="t">
+              <a:rot lat="0" lon="0" rev="1500000"/>
+            </a:lightRig>
+          </a:scene3d>
+          <a:sp3d prstMaterial="metal">
+            <a:bevelT w="88900" h="88900"/>
+          </a:sp3d>
         </p:spPr>
       </p:pic>
-      <p:sp>
-        <p:nvSpPr>
-          <p:cNvPr id="12" name="Title 1"/>
-          <p:cNvSpPr>
-            <a:spLocks noGrp="1"/>
-          </p:cNvSpPr>
-          <p:nvPr>
-            <p:ph type="title"/>
-          </p:nvPr>
-        </p:nvSpPr>
-        <p:spPr>
-          <a:xfrm>
-            <a:off x="457200" y="152400"/>
-            <a:ext cx="8229600" cy="792162"/>
-          </a:xfrm>
-        </p:spPr>
-        <p:txBody>
-          <a:bodyPr/>
-          <a:lstStyle/>
-          <a:p>
-            <a:r>
-              <a:rPr lang="en-US" dirty="0" smtClean="0"/>
-              <a:t>DSM2 Documentation</a:t>
-            </a:r>
-            <a:endParaRPr lang="en-US" dirty="0"/>
-          </a:p>
-        </p:txBody>
-      </p:sp>
     </p:spTree>
   </p:cSld>
   <p:clrMapOvr>
@@ -7428,19 +7992,14 @@
             <p:ph type="title"/>
           </p:nvPr>
         </p:nvSpPr>
-        <p:spPr>
-          <a:xfrm>
-            <a:off x="457200" y="274638"/>
-            <a:ext cx="8229600" cy="792162"/>
-          </a:xfrm>
-        </p:spPr>
+        <p:spPr/>
         <p:txBody>
           <a:bodyPr/>
           <a:lstStyle/>
           <a:p>
             <a:r>
               <a:rPr lang="en-US" dirty="0" smtClean="0"/>
-              <a:t>DSM2 Versioning</a:t>
+              <a:t>Install DSM2</a:t>
             </a:r>
             <a:endParaRPr lang="en-US" dirty="0"/>
           </a:p>
@@ -7448,11 +8007,13 @@
       </p:sp>
       <p:pic>
         <p:nvPicPr>
-          <p:cNvPr id="4104" name="Picture 8"/>
+          <p:cNvPr id="1026" name="Picture 2"/>
           <p:cNvPicPr>
-            <a:picLocks noChangeAspect="1" noChangeArrowheads="1"/>
+            <a:picLocks noGrp="1" noChangeAspect="1" noChangeArrowheads="1"/>
           </p:cNvPicPr>
-          <p:nvPr/>
+          <p:nvPr>
+            <p:ph idx="1"/>
+          </p:nvPr>
         </p:nvPicPr>
         <p:blipFill>
           <a:blip r:embed="rId3" cstate="print"/>
@@ -7463,8 +8024,8 @@
         </p:blipFill>
         <p:spPr bwMode="auto">
           <a:xfrm>
-            <a:off x="1219200" y="3886200"/>
-            <a:ext cx="7542213" cy="2838450"/>
+            <a:off x="228600" y="1981200"/>
+            <a:ext cx="4790477" cy="3733334"/>
           </a:xfrm>
           <a:prstGeom prst="rect">
             <a:avLst/>
@@ -7480,7 +8041,7 @@
       </p:pic>
       <p:pic>
         <p:nvPicPr>
-          <p:cNvPr id="4103" name="Picture 7"/>
+          <p:cNvPr id="7" name="Picture 4"/>
           <p:cNvPicPr>
             <a:picLocks noChangeAspect="1" noChangeArrowheads="1"/>
           </p:cNvPicPr>
@@ -7495,93 +8056,17 @@
         </p:blipFill>
         <p:spPr bwMode="auto">
           <a:xfrm>
-            <a:off x="914400" y="990600"/>
-            <a:ext cx="2971800" cy="3596771"/>
+            <a:off x="5334000" y="1981200"/>
+            <a:ext cx="3328321" cy="4068763"/>
           </a:xfrm>
           <a:prstGeom prst="rect">
             <a:avLst/>
           </a:prstGeom>
           <a:noFill/>
           <a:ln w="9525">
-            <a:noFill/>
-            <a:miter lim="800000"/>
-            <a:headEnd/>
-            <a:tailEnd/>
-          </a:ln>
-        </p:spPr>
-      </p:pic>
-      <p:sp>
-        <p:nvSpPr>
-          <p:cNvPr id="15" name="Oval 14"/>
-          <p:cNvSpPr/>
-          <p:nvPr/>
-        </p:nvSpPr>
-        <p:spPr>
-          <a:xfrm>
-            <a:off x="6705600" y="5029200"/>
-            <a:ext cx="1371600" cy="381000"/>
-          </a:xfrm>
-          <a:prstGeom prst="ellipse">
-            <a:avLst/>
-          </a:prstGeom>
-          <a:noFill/>
-          <a:ln w="57150">
             <a:solidFill>
-              <a:srgbClr val="FF0000"/>
+              <a:schemeClr val="tx1"/>
             </a:solidFill>
-          </a:ln>
-        </p:spPr>
-        <p:style>
-          <a:lnRef idx="2">
-            <a:schemeClr val="accent1">
-              <a:shade val="50000"/>
-            </a:schemeClr>
-          </a:lnRef>
-          <a:fillRef idx="1">
-            <a:schemeClr val="accent1"/>
-          </a:fillRef>
-          <a:effectRef idx="0">
-            <a:schemeClr val="accent1"/>
-          </a:effectRef>
-          <a:fontRef idx="minor">
-            <a:schemeClr val="lt1"/>
-          </a:fontRef>
-        </p:style>
-        <p:txBody>
-          <a:bodyPr rtlCol="0" anchor="ctr"/>
-          <a:lstStyle/>
-          <a:p>
-            <a:pPr algn="ctr"/>
-            <a:endParaRPr lang="en-US"/>
-          </a:p>
-        </p:txBody>
-      </p:sp>
-      <p:pic>
-        <p:nvPicPr>
-          <p:cNvPr id="4105" name="Picture 9"/>
-          <p:cNvPicPr>
-            <a:picLocks noChangeAspect="1" noChangeArrowheads="1"/>
-          </p:cNvPicPr>
-          <p:nvPr/>
-        </p:nvPicPr>
-        <p:blipFill>
-          <a:blip r:embed="rId5" cstate="print"/>
-          <a:srcRect/>
-          <a:stretch>
-            <a:fillRect/>
-          </a:stretch>
-        </p:blipFill>
-        <p:spPr bwMode="auto">
-          <a:xfrm>
-            <a:off x="4876800" y="990600"/>
-            <a:ext cx="3657600" cy="3616193"/>
-          </a:xfrm>
-          <a:prstGeom prst="rect">
-            <a:avLst/>
-          </a:prstGeom>
-          <a:noFill/>
-          <a:ln w="9525">
-            <a:noFill/>
             <a:miter lim="800000"/>
             <a:headEnd/>
             <a:tailEnd/>
@@ -7630,14 +8115,19 @@
             <p:ph type="title"/>
           </p:nvPr>
         </p:nvSpPr>
-        <p:spPr/>
+        <p:spPr>
+          <a:xfrm>
+            <a:off x="457200" y="274638"/>
+            <a:ext cx="8229600" cy="792162"/>
+          </a:xfrm>
+        </p:spPr>
         <p:txBody>
           <a:bodyPr/>
           <a:lstStyle/>
           <a:p>
             <a:r>
               <a:rPr lang="en-US" dirty="0" smtClean="0"/>
-              <a:t>Check DSM2 version</a:t>
+              <a:t>DSM2 Versioning</a:t>
             </a:r>
             <a:endParaRPr lang="en-US" dirty="0"/>
           </a:p>
@@ -7645,13 +8135,11 @@
       </p:sp>
       <p:pic>
         <p:nvPicPr>
-          <p:cNvPr id="2051" name="Picture 3"/>
+          <p:cNvPr id="4104" name="Picture 8"/>
           <p:cNvPicPr>
-            <a:picLocks noGrp="1" noChangeAspect="1" noChangeArrowheads="1"/>
+            <a:picLocks noChangeAspect="1" noChangeArrowheads="1"/>
           </p:cNvPicPr>
-          <p:nvPr>
-            <p:ph idx="1"/>
-          </p:nvPr>
+          <p:nvPr/>
         </p:nvPicPr>
         <p:blipFill>
           <a:blip r:embed="rId3" cstate="print"/>
@@ -7662,8 +8150,8 @@
         </p:blipFill>
         <p:spPr bwMode="auto">
           <a:xfrm>
-            <a:off x="762000" y="1905000"/>
-            <a:ext cx="4985715" cy="2328572"/>
+            <a:off x="1219200" y="3886200"/>
+            <a:ext cx="7542213" cy="2838450"/>
           </a:xfrm>
           <a:prstGeom prst="rect">
             <a:avLst/>
@@ -7679,7 +8167,7 @@
       </p:pic>
       <p:pic>
         <p:nvPicPr>
-          <p:cNvPr id="2052" name="Picture 4"/>
+          <p:cNvPr id="4103" name="Picture 7"/>
           <p:cNvPicPr>
             <a:picLocks noChangeAspect="1" noChangeArrowheads="1"/>
           </p:cNvPicPr>
@@ -7694,8 +8182,86 @@
         </p:blipFill>
         <p:spPr bwMode="auto">
           <a:xfrm>
-            <a:off x="3124200" y="3581400"/>
-            <a:ext cx="4985715" cy="2328572"/>
+            <a:off x="914400" y="990600"/>
+            <a:ext cx="2971800" cy="3596771"/>
+          </a:xfrm>
+          <a:prstGeom prst="rect">
+            <a:avLst/>
+          </a:prstGeom>
+          <a:noFill/>
+          <a:ln w="9525">
+            <a:noFill/>
+            <a:miter lim="800000"/>
+            <a:headEnd/>
+            <a:tailEnd/>
+          </a:ln>
+        </p:spPr>
+      </p:pic>
+      <p:sp>
+        <p:nvSpPr>
+          <p:cNvPr id="15" name="Oval 14"/>
+          <p:cNvSpPr/>
+          <p:nvPr/>
+        </p:nvSpPr>
+        <p:spPr>
+          <a:xfrm>
+            <a:off x="6705600" y="5029200"/>
+            <a:ext cx="1371600" cy="381000"/>
+          </a:xfrm>
+          <a:prstGeom prst="ellipse">
+            <a:avLst/>
+          </a:prstGeom>
+          <a:noFill/>
+          <a:ln w="57150">
+            <a:solidFill>
+              <a:srgbClr val="FF0000"/>
+            </a:solidFill>
+          </a:ln>
+        </p:spPr>
+        <p:style>
+          <a:lnRef idx="2">
+            <a:schemeClr val="accent1">
+              <a:shade val="50000"/>
+            </a:schemeClr>
+          </a:lnRef>
+          <a:fillRef idx="1">
+            <a:schemeClr val="accent1"/>
+          </a:fillRef>
+          <a:effectRef idx="0">
+            <a:schemeClr val="accent1"/>
+          </a:effectRef>
+          <a:fontRef idx="minor">
+            <a:schemeClr val="lt1"/>
+          </a:fontRef>
+        </p:style>
+        <p:txBody>
+          <a:bodyPr rtlCol="0" anchor="ctr"/>
+          <a:lstStyle/>
+          <a:p>
+            <a:pPr algn="ctr"/>
+            <a:endParaRPr lang="en-US"/>
+          </a:p>
+        </p:txBody>
+      </p:sp>
+      <p:pic>
+        <p:nvPicPr>
+          <p:cNvPr id="4105" name="Picture 9"/>
+          <p:cNvPicPr>
+            <a:picLocks noChangeAspect="1" noChangeArrowheads="1"/>
+          </p:cNvPicPr>
+          <p:nvPr/>
+        </p:nvPicPr>
+        <p:blipFill>
+          <a:blip r:embed="rId5" cstate="print"/>
+          <a:srcRect/>
+          <a:stretch>
+            <a:fillRect/>
+          </a:stretch>
+        </p:blipFill>
+        <p:spPr bwMode="auto">
+          <a:xfrm>
+            <a:off x="4876800" y="990600"/>
+            <a:ext cx="3657600" cy="3616193"/>
           </a:xfrm>
           <a:prstGeom prst="rect">
             <a:avLst/>
@@ -7748,7 +8314,7 @@
             <a:spLocks noGrp="1"/>
           </p:cNvSpPr>
           <p:nvPr>
-            <p:ph type="ctrTitle"/>
+            <p:ph type="title"/>
           </p:nvPr>
         </p:nvSpPr>
         <p:spPr/>
@@ -7758,20 +8324,78 @@
           <a:p>
             <a:r>
               <a:rPr lang="en-US" dirty="0" smtClean="0"/>
-              <a:t>3</a:t>
-            </a:r>
-            <a:r>
-              <a:rPr lang="en-US" baseline="30000" dirty="0" smtClean="0"/>
-              <a:t>rd</a:t>
-            </a:r>
-            <a:r>
-              <a:rPr lang="en-US" dirty="0" smtClean="0"/>
-              <a:t> Party Software</a:t>
+              <a:t>Check DSM2 version</a:t>
             </a:r>
             <a:endParaRPr lang="en-US" dirty="0"/>
           </a:p>
         </p:txBody>
       </p:sp>
+      <p:pic>
+        <p:nvPicPr>
+          <p:cNvPr id="2051" name="Picture 3"/>
+          <p:cNvPicPr>
+            <a:picLocks noGrp="1" noChangeAspect="1" noChangeArrowheads="1"/>
+          </p:cNvPicPr>
+          <p:nvPr>
+            <p:ph idx="1"/>
+          </p:nvPr>
+        </p:nvPicPr>
+        <p:blipFill>
+          <a:blip r:embed="rId3" cstate="print"/>
+          <a:srcRect/>
+          <a:stretch>
+            <a:fillRect/>
+          </a:stretch>
+        </p:blipFill>
+        <p:spPr bwMode="auto">
+          <a:xfrm>
+            <a:off x="762000" y="1905000"/>
+            <a:ext cx="4985715" cy="2328572"/>
+          </a:xfrm>
+          <a:prstGeom prst="rect">
+            <a:avLst/>
+          </a:prstGeom>
+          <a:noFill/>
+          <a:ln w="9525">
+            <a:noFill/>
+            <a:miter lim="800000"/>
+            <a:headEnd/>
+            <a:tailEnd/>
+          </a:ln>
+        </p:spPr>
+      </p:pic>
+      <p:pic>
+        <p:nvPicPr>
+          <p:cNvPr id="2052" name="Picture 4"/>
+          <p:cNvPicPr>
+            <a:picLocks noChangeAspect="1" noChangeArrowheads="1"/>
+          </p:cNvPicPr>
+          <p:nvPr/>
+        </p:nvPicPr>
+        <p:blipFill>
+          <a:blip r:embed="rId4" cstate="print"/>
+          <a:srcRect/>
+          <a:stretch>
+            <a:fillRect/>
+          </a:stretch>
+        </p:blipFill>
+        <p:spPr bwMode="auto">
+          <a:xfrm>
+            <a:off x="3124200" y="3581400"/>
+            <a:ext cx="4985715" cy="2328572"/>
+          </a:xfrm>
+          <a:prstGeom prst="rect">
+            <a:avLst/>
+          </a:prstGeom>
+          <a:noFill/>
+          <a:ln w="9525">
+            <a:noFill/>
+            <a:miter lim="800000"/>
+            <a:headEnd/>
+            <a:tailEnd/>
+          </a:ln>
+        </p:spPr>
+      </p:pic>
     </p:spTree>
   </p:cSld>
   <p:clrMapOvr>
@@ -7811,19 +8435,12 @@
             <a:spLocks noGrp="1"/>
           </p:cNvSpPr>
           <p:nvPr>
-            <p:ph type="title"/>
-          </p:nvPr>
-        </p:nvSpPr>
-        <p:spPr>
-          <a:xfrm>
-            <a:off x="457200" y="274638"/>
-            <a:ext cx="8229600" cy="715962"/>
-          </a:xfrm>
-        </p:spPr>
-        <p:txBody>
-          <a:bodyPr>
-            <a:normAutofit fontScale="90000"/>
-          </a:bodyPr>
+            <p:ph type="ctrTitle"/>
+          </p:nvPr>
+        </p:nvSpPr>
+        <p:spPr/>
+        <p:txBody>
+          <a:bodyPr/>
           <a:lstStyle/>
           <a:p>
             <a:r>
@@ -7842,115 +8459,18 @@
           </a:p>
         </p:txBody>
       </p:sp>
-      <p:pic>
-        <p:nvPicPr>
-          <p:cNvPr id="5122" name="Picture 2"/>
-          <p:cNvPicPr>
-            <a:picLocks noGrp="1" noChangeAspect="1" noChangeArrowheads="1"/>
-          </p:cNvPicPr>
-          <p:nvPr>
-            <p:ph idx="1"/>
-          </p:nvPr>
-        </p:nvPicPr>
-        <p:blipFill>
-          <a:blip r:embed="rId3" cstate="print"/>
-          <a:srcRect/>
-          <a:stretch>
-            <a:fillRect/>
-          </a:stretch>
-        </p:blipFill>
-        <p:spPr bwMode="auto">
-          <a:xfrm>
-            <a:off x="457200" y="1600200"/>
-            <a:ext cx="5149776" cy="4525963"/>
-          </a:xfrm>
-          <a:prstGeom prst="rect">
-            <a:avLst/>
-          </a:prstGeom>
-          <a:noFill/>
-          <a:ln w="9525">
-            <a:noFill/>
-            <a:miter lim="800000"/>
-            <a:headEnd/>
-            <a:tailEnd/>
-          </a:ln>
-        </p:spPr>
-      </p:pic>
-      <p:sp>
-        <p:nvSpPr>
-          <p:cNvPr id="5" name="Rectangle 4"/>
-          <p:cNvSpPr/>
-          <p:nvPr/>
-        </p:nvSpPr>
-        <p:spPr>
-          <a:xfrm>
-            <a:off x="304800" y="990600"/>
-            <a:ext cx="8610600" cy="369332"/>
-          </a:xfrm>
-          <a:prstGeom prst="rect">
-            <a:avLst/>
-          </a:prstGeom>
-        </p:spPr>
-        <p:txBody>
-          <a:bodyPr wrap="square">
-            <a:spAutoFit/>
-          </a:bodyPr>
-          <a:lstStyle/>
-          <a:p>
-            <a:r>
-              <a:rPr lang="en-US" dirty="0" smtClean="0"/>
-              <a:t>http://baydeltaoffice.water.ca.gov/modeling/deltamodeling/models/dsm2v8/dsm2.cfm</a:t>
-            </a:r>
-            <a:endParaRPr lang="en-US" dirty="0"/>
-          </a:p>
-        </p:txBody>
-      </p:sp>
-      <p:pic>
-        <p:nvPicPr>
-          <p:cNvPr id="5123" name="Picture 3"/>
-          <p:cNvPicPr>
-            <a:picLocks noChangeAspect="1" noChangeArrowheads="1"/>
-          </p:cNvPicPr>
-          <p:nvPr/>
-        </p:nvPicPr>
-        <p:blipFill>
-          <a:blip r:embed="rId4" cstate="print"/>
-          <a:srcRect/>
-          <a:stretch>
-            <a:fillRect/>
-          </a:stretch>
-        </p:blipFill>
-        <p:spPr bwMode="auto">
-          <a:xfrm>
-            <a:off x="3439231" y="2106728"/>
-            <a:ext cx="5476169" cy="4522672"/>
-          </a:xfrm>
-          <a:prstGeom prst="rect">
-            <a:avLst/>
-          </a:prstGeom>
-          <a:noFill/>
-          <a:ln w="9525">
-            <a:solidFill>
-              <a:schemeClr val="tx1"/>
-            </a:solidFill>
-            <a:miter lim="800000"/>
-            <a:headEnd/>
-            <a:tailEnd/>
-          </a:ln>
-          <a:effectLst>
-            <a:outerShdw blurRad="254000" dist="317500" dir="8100000" algn="tr" rotWithShape="0">
-              <a:prstClr val="black">
-                <a:alpha val="40000"/>
-              </a:prstClr>
-            </a:outerShdw>
-          </a:effectLst>
-        </p:spPr>
-      </p:pic>
     </p:spTree>
   </p:cSld>
   <p:clrMapOvr>
     <a:masterClrMapping/>
   </p:clrMapOvr>
+  <p:timing>
+    <p:tnLst>
+      <p:par>
+        <p:cTn id="1" dur="indefinite" restart="never" nodeType="tmRoot"/>
+      </p:par>
+    </p:tnLst>
+  </p:timing>
 </p:sld>
 </file>
 
@@ -7971,13 +8491,53 @@
           <a:chExt cx="0" cy="0"/>
         </a:xfrm>
       </p:grpSpPr>
+      <p:sp>
+        <p:nvSpPr>
+          <p:cNvPr id="2" name="Title 1"/>
+          <p:cNvSpPr>
+            <a:spLocks noGrp="1"/>
+          </p:cNvSpPr>
+          <p:nvPr>
+            <p:ph type="title"/>
+          </p:nvPr>
+        </p:nvSpPr>
+        <p:spPr>
+          <a:xfrm>
+            <a:off x="457200" y="274638"/>
+            <a:ext cx="8229600" cy="715962"/>
+          </a:xfrm>
+        </p:spPr>
+        <p:txBody>
+          <a:bodyPr>
+            <a:normAutofit fontScale="90000"/>
+          </a:bodyPr>
+          <a:lstStyle/>
+          <a:p>
+            <a:r>
+              <a:rPr lang="en-US" dirty="0" smtClean="0"/>
+              <a:t>3</a:t>
+            </a:r>
+            <a:r>
+              <a:rPr lang="en-US" baseline="30000" dirty="0" smtClean="0"/>
+              <a:t>rd</a:t>
+            </a:r>
+            <a:r>
+              <a:rPr lang="en-US" dirty="0" smtClean="0"/>
+              <a:t> Party Software</a:t>
+            </a:r>
+            <a:endParaRPr lang="en-US" dirty="0"/>
+          </a:p>
+        </p:txBody>
+      </p:sp>
       <p:pic>
         <p:nvPicPr>
-          <p:cNvPr id="8197" name="Picture 5"/>
+          <p:cNvPr id="5122" name="Picture 2"/>
           <p:cNvPicPr>
-            <a:picLocks noChangeAspect="1" noChangeArrowheads="1"/>
+            <a:picLocks noGrp="1" noChangeAspect="1" noChangeArrowheads="1"/>
           </p:cNvPicPr>
-          <p:nvPr/>
+          <p:nvPr>
+            <p:ph idx="1"/>
+          </p:nvPr>
         </p:nvPicPr>
         <p:blipFill>
           <a:blip r:embed="rId3" cstate="print"/>
@@ -7988,8 +8548,8 @@
         </p:blipFill>
         <p:spPr bwMode="auto">
           <a:xfrm>
-            <a:off x="152400" y="1219200"/>
-            <a:ext cx="3622528" cy="3505200"/>
+            <a:off x="457200" y="1600200"/>
+            <a:ext cx="5149776" cy="4525963"/>
           </a:xfrm>
           <a:prstGeom prst="rect">
             <a:avLst/>
@@ -8001,96 +8561,47 @@
             <a:headEnd/>
             <a:tailEnd/>
           </a:ln>
-          <a:effectLst>
-            <a:softEdge rad="31750"/>
-          </a:effectLst>
         </p:spPr>
       </p:pic>
       <p:sp>
         <p:nvSpPr>
-          <p:cNvPr id="2" name="Title 1"/>
-          <p:cNvSpPr>
-            <a:spLocks noGrp="1"/>
-          </p:cNvSpPr>
-          <p:nvPr>
-            <p:ph type="title"/>
-          </p:nvPr>
+          <p:cNvPr id="5" name="Rectangle 4"/>
+          <p:cNvSpPr/>
+          <p:nvPr/>
         </p:nvSpPr>
         <p:spPr>
           <a:xfrm>
-            <a:off x="457200" y="152400"/>
-            <a:ext cx="8229600" cy="685800"/>
-          </a:xfrm>
-        </p:spPr>
-        <p:txBody>
-          <a:bodyPr>
-            <a:normAutofit fontScale="90000"/>
-          </a:bodyPr>
-          <a:lstStyle/>
-          <a:p>
-            <a:r>
-              <a:rPr lang="en-US" dirty="0" smtClean="0"/>
-              <a:t>Open Command </a:t>
-            </a:r>
-            <a:r>
-              <a:rPr lang="en-US" dirty="0" smtClean="0"/>
-              <a:t>Here</a:t>
-            </a:r>
-            <a:endParaRPr lang="en-US" dirty="0"/>
-          </a:p>
-        </p:txBody>
-      </p:sp>
-      <p:pic>
-        <p:nvPicPr>
-          <p:cNvPr id="8194" name="Picture 2"/>
-          <p:cNvPicPr>
-            <a:picLocks noGrp="1" noChangeAspect="1" noChangeArrowheads="1"/>
-          </p:cNvPicPr>
-          <p:nvPr>
-            <p:ph idx="1"/>
-          </p:nvPr>
-        </p:nvPicPr>
-        <p:blipFill>
-          <a:blip r:embed="rId4" cstate="print"/>
-          <a:srcRect r="7143" b="6444"/>
-          <a:stretch>
-            <a:fillRect/>
-          </a:stretch>
-        </p:blipFill>
-        <p:spPr bwMode="auto">
-          <a:xfrm>
-            <a:off x="1219200" y="2819400"/>
-            <a:ext cx="2971800" cy="3318656"/>
+            <a:off x="304800" y="990600"/>
+            <a:ext cx="8610600" cy="369332"/>
           </a:xfrm>
           <a:prstGeom prst="rect">
             <a:avLst/>
           </a:prstGeom>
-          <a:noFill/>
-          <a:ln w="9525">
-            <a:noFill/>
-            <a:miter lim="800000"/>
-            <a:headEnd/>
-            <a:tailEnd/>
-          </a:ln>
-          <a:effectLst>
-            <a:outerShdw blurRad="254000" dist="317500" dir="8100000" algn="tl" rotWithShape="0">
-              <a:schemeClr val="bg1">
-                <a:alpha val="40000"/>
-              </a:schemeClr>
-            </a:outerShdw>
-          </a:effectLst>
-        </p:spPr>
-      </p:pic>
+        </p:spPr>
+        <p:txBody>
+          <a:bodyPr wrap="square">
+            <a:spAutoFit/>
+          </a:bodyPr>
+          <a:lstStyle/>
+          <a:p>
+            <a:r>
+              <a:rPr lang="en-US" dirty="0" smtClean="0"/>
+              <a:t>http://baydeltaoffice.water.ca.gov/modeling/deltamodeling/models/dsm2v8/dsm2.cfm</a:t>
+            </a:r>
+            <a:endParaRPr lang="en-US" dirty="0"/>
+          </a:p>
+        </p:txBody>
+      </p:sp>
       <p:pic>
         <p:nvPicPr>
-          <p:cNvPr id="8199" name="Picture 7"/>
+          <p:cNvPr id="5123" name="Picture 3"/>
           <p:cNvPicPr>
             <a:picLocks noChangeAspect="1" noChangeArrowheads="1"/>
           </p:cNvPicPr>
           <p:nvPr/>
         </p:nvPicPr>
         <p:blipFill>
-          <a:blip r:embed="rId5" cstate="print"/>
+          <a:blip r:embed="rId4" cstate="print"/>
           <a:srcRect/>
           <a:stretch>
             <a:fillRect/>
@@ -8098,15 +8609,17 @@
         </p:blipFill>
         <p:spPr bwMode="auto">
           <a:xfrm>
-            <a:off x="4038600" y="3429000"/>
-            <a:ext cx="5001522" cy="3124200"/>
+            <a:off x="3439231" y="2106728"/>
+            <a:ext cx="5476169" cy="4522672"/>
           </a:xfrm>
           <a:prstGeom prst="rect">
             <a:avLst/>
           </a:prstGeom>
           <a:noFill/>
           <a:ln w="9525">
-            <a:noFill/>
+            <a:solidFill>
+              <a:schemeClr val="tx1"/>
+            </a:solidFill>
             <a:miter lim="800000"/>
             <a:headEnd/>
             <a:tailEnd/>
@@ -8120,90 +8633,18 @@
           </a:effectLst>
         </p:spPr>
       </p:pic>
-      <p:sp>
-        <p:nvSpPr>
-          <p:cNvPr id="6" name="TextBox 5"/>
-          <p:cNvSpPr txBox="1"/>
-          <p:nvPr/>
-        </p:nvSpPr>
-        <p:spPr>
-          <a:xfrm>
-            <a:off x="3810000" y="1905000"/>
-            <a:ext cx="5029200" cy="523220"/>
-          </a:xfrm>
-          <a:prstGeom prst="rect">
-            <a:avLst/>
-          </a:prstGeom>
-          <a:noFill/>
-        </p:spPr>
-        <p:txBody>
-          <a:bodyPr wrap="square" rtlCol="0">
-            <a:spAutoFit/>
-          </a:bodyPr>
-          <a:lstStyle/>
-          <a:p>
-            <a:r>
-              <a:rPr lang="en-US" sz="2800" dirty="0" smtClean="0"/>
-              <a:t>This is a built-in feature for VISTA</a:t>
-            </a:r>
-            <a:endParaRPr lang="en-US" sz="2800" dirty="0"/>
-          </a:p>
-        </p:txBody>
-      </p:sp>
-      <p:sp>
-        <p:nvSpPr>
-          <p:cNvPr id="7" name="Rectangle 6"/>
-          <p:cNvSpPr/>
-          <p:nvPr/>
-        </p:nvSpPr>
-        <p:spPr>
-          <a:xfrm>
-            <a:off x="4114800" y="990600"/>
-            <a:ext cx="4839210" cy="523220"/>
-          </a:xfrm>
-          <a:prstGeom prst="rect">
-            <a:avLst/>
-          </a:prstGeom>
-          <a:solidFill>
-            <a:schemeClr val="bg1"/>
-          </a:solidFill>
-          <a:ln w="50800">
-            <a:solidFill>
-              <a:srgbClr val="FF0000"/>
-            </a:solidFill>
-          </a:ln>
-        </p:spPr>
-        <p:txBody>
-          <a:bodyPr wrap="none">
-            <a:spAutoFit/>
-          </a:bodyPr>
-          <a:lstStyle/>
-          <a:p>
-            <a:r>
-              <a:rPr lang="en-US" sz="2800" dirty="0" smtClean="0"/>
-              <a:t>Google </a:t>
-            </a:r>
-            <a:r>
-              <a:rPr lang="en-US" sz="2800" dirty="0" smtClean="0"/>
-              <a:t> “Open Command </a:t>
-            </a:r>
-            <a:r>
-              <a:rPr lang="en-US" sz="2800" dirty="0" smtClean="0"/>
-              <a:t>Here</a:t>
-            </a:r>
-            <a:r>
-              <a:rPr lang="en-US" sz="2800" dirty="0" smtClean="0"/>
-              <a:t>”</a:t>
-            </a:r>
-            <a:endParaRPr lang="en-US" sz="2800" dirty="0"/>
-          </a:p>
-        </p:txBody>
-      </p:sp>
     </p:spTree>
   </p:cSld>
   <p:clrMapOvr>
     <a:masterClrMapping/>
   </p:clrMapOvr>
+  <p:timing>
+    <p:tnLst>
+      <p:par>
+        <p:cTn id="1" dur="indefinite" restart="never" nodeType="tmRoot"/>
+      </p:par>
+    </p:tnLst>
+  </p:timing>
 </p:sld>
 </file>
 
